--- a/public/Readme.pptx
+++ b/public/Readme.pptx
@@ -34,98 +34,98 @@
         <a:solidFill>
           <a:srgbClr val="414141"/>
         </a:solidFill>
-        <a:latin typeface="Palatino"/>
-        <a:ea typeface="Palatino"/>
-        <a:cs typeface="Palatino"/>
-        <a:sym typeface="Palatino"/>
+        <a:latin typeface="Bodoni SvtyTwo ITC TT-Book"/>
+        <a:ea typeface="Bodoni SvtyTwo ITC TT-Book"/>
+        <a:cs typeface="Bodoni SvtyTwo ITC TT-Book"/>
+        <a:sym typeface="Bodoni SvtyTwo ITC TT-Book"/>
       </a:defRPr>
     </a:lvl1pPr>
-    <a:lvl2pPr indent="228600" algn="ctr" defTabSz="584200">
+    <a:lvl2pPr algn="ctr" defTabSz="584200">
       <a:defRPr sz="3200">
         <a:solidFill>
           <a:srgbClr val="414141"/>
         </a:solidFill>
-        <a:latin typeface="Palatino"/>
-        <a:ea typeface="Palatino"/>
-        <a:cs typeface="Palatino"/>
-        <a:sym typeface="Palatino"/>
+        <a:latin typeface="Bodoni SvtyTwo ITC TT-Book"/>
+        <a:ea typeface="Bodoni SvtyTwo ITC TT-Book"/>
+        <a:cs typeface="Bodoni SvtyTwo ITC TT-Book"/>
+        <a:sym typeface="Bodoni SvtyTwo ITC TT-Book"/>
       </a:defRPr>
     </a:lvl2pPr>
-    <a:lvl3pPr indent="457200" algn="ctr" defTabSz="584200">
+    <a:lvl3pPr algn="ctr" defTabSz="584200">
       <a:defRPr sz="3200">
         <a:solidFill>
           <a:srgbClr val="414141"/>
         </a:solidFill>
-        <a:latin typeface="Palatino"/>
-        <a:ea typeface="Palatino"/>
-        <a:cs typeface="Palatino"/>
-        <a:sym typeface="Palatino"/>
+        <a:latin typeface="Bodoni SvtyTwo ITC TT-Book"/>
+        <a:ea typeface="Bodoni SvtyTwo ITC TT-Book"/>
+        <a:cs typeface="Bodoni SvtyTwo ITC TT-Book"/>
+        <a:sym typeface="Bodoni SvtyTwo ITC TT-Book"/>
       </a:defRPr>
     </a:lvl3pPr>
-    <a:lvl4pPr indent="685800" algn="ctr" defTabSz="584200">
+    <a:lvl4pPr algn="ctr" defTabSz="584200">
       <a:defRPr sz="3200">
         <a:solidFill>
           <a:srgbClr val="414141"/>
         </a:solidFill>
-        <a:latin typeface="Palatino"/>
-        <a:ea typeface="Palatino"/>
-        <a:cs typeface="Palatino"/>
-        <a:sym typeface="Palatino"/>
+        <a:latin typeface="Bodoni SvtyTwo ITC TT-Book"/>
+        <a:ea typeface="Bodoni SvtyTwo ITC TT-Book"/>
+        <a:cs typeface="Bodoni SvtyTwo ITC TT-Book"/>
+        <a:sym typeface="Bodoni SvtyTwo ITC TT-Book"/>
       </a:defRPr>
     </a:lvl4pPr>
-    <a:lvl5pPr indent="914400" algn="ctr" defTabSz="584200">
+    <a:lvl5pPr algn="ctr" defTabSz="584200">
       <a:defRPr sz="3200">
         <a:solidFill>
           <a:srgbClr val="414141"/>
         </a:solidFill>
-        <a:latin typeface="Palatino"/>
-        <a:ea typeface="Palatino"/>
-        <a:cs typeface="Palatino"/>
-        <a:sym typeface="Palatino"/>
+        <a:latin typeface="Bodoni SvtyTwo ITC TT-Book"/>
+        <a:ea typeface="Bodoni SvtyTwo ITC TT-Book"/>
+        <a:cs typeface="Bodoni SvtyTwo ITC TT-Book"/>
+        <a:sym typeface="Bodoni SvtyTwo ITC TT-Book"/>
       </a:defRPr>
     </a:lvl5pPr>
-    <a:lvl6pPr indent="1143000" algn="ctr" defTabSz="584200">
+    <a:lvl6pPr algn="ctr" defTabSz="584200">
       <a:defRPr sz="3200">
         <a:solidFill>
           <a:srgbClr val="414141"/>
         </a:solidFill>
-        <a:latin typeface="Palatino"/>
-        <a:ea typeface="Palatino"/>
-        <a:cs typeface="Palatino"/>
-        <a:sym typeface="Palatino"/>
+        <a:latin typeface="Bodoni SvtyTwo ITC TT-Book"/>
+        <a:ea typeface="Bodoni SvtyTwo ITC TT-Book"/>
+        <a:cs typeface="Bodoni SvtyTwo ITC TT-Book"/>
+        <a:sym typeface="Bodoni SvtyTwo ITC TT-Book"/>
       </a:defRPr>
     </a:lvl6pPr>
-    <a:lvl7pPr indent="1371600" algn="ctr" defTabSz="584200">
+    <a:lvl7pPr algn="ctr" defTabSz="584200">
       <a:defRPr sz="3200">
         <a:solidFill>
           <a:srgbClr val="414141"/>
         </a:solidFill>
-        <a:latin typeface="Palatino"/>
-        <a:ea typeface="Palatino"/>
-        <a:cs typeface="Palatino"/>
-        <a:sym typeface="Palatino"/>
+        <a:latin typeface="Bodoni SvtyTwo ITC TT-Book"/>
+        <a:ea typeface="Bodoni SvtyTwo ITC TT-Book"/>
+        <a:cs typeface="Bodoni SvtyTwo ITC TT-Book"/>
+        <a:sym typeface="Bodoni SvtyTwo ITC TT-Book"/>
       </a:defRPr>
     </a:lvl7pPr>
-    <a:lvl8pPr indent="1600200" algn="ctr" defTabSz="584200">
+    <a:lvl8pPr algn="ctr" defTabSz="584200">
       <a:defRPr sz="3200">
         <a:solidFill>
           <a:srgbClr val="414141"/>
         </a:solidFill>
-        <a:latin typeface="Palatino"/>
-        <a:ea typeface="Palatino"/>
-        <a:cs typeface="Palatino"/>
-        <a:sym typeface="Palatino"/>
+        <a:latin typeface="Bodoni SvtyTwo ITC TT-Book"/>
+        <a:ea typeface="Bodoni SvtyTwo ITC TT-Book"/>
+        <a:cs typeface="Bodoni SvtyTwo ITC TT-Book"/>
+        <a:sym typeface="Bodoni SvtyTwo ITC TT-Book"/>
       </a:defRPr>
     </a:lvl8pPr>
-    <a:lvl9pPr indent="1828800" algn="ctr" defTabSz="584200">
+    <a:lvl9pPr algn="ctr" defTabSz="584200">
       <a:defRPr sz="3200">
         <a:solidFill>
           <a:srgbClr val="414141"/>
         </a:solidFill>
-        <a:latin typeface="Palatino"/>
-        <a:ea typeface="Palatino"/>
-        <a:cs typeface="Palatino"/>
-        <a:sym typeface="Palatino"/>
+        <a:latin typeface="Bodoni SvtyTwo ITC TT-Book"/>
+        <a:ea typeface="Bodoni SvtyTwo ITC TT-Book"/>
+        <a:cs typeface="Bodoni SvtyTwo ITC TT-Book"/>
+        <a:sym typeface="Bodoni SvtyTwo ITC TT-Book"/>
       </a:defRPr>
     </a:lvl9pPr>
   </p:defaultTextStyle>
@@ -211,10 +211,10 @@
       <a:lnSpc>
         <a:spcPct val="117999"/>
       </a:lnSpc>
-      <a:defRPr sz="3000">
-        <a:latin typeface="Helvetica Neue"/>
-        <a:ea typeface="Helvetica Neue"/>
-        <a:cs typeface="Helvetica Neue"/>
+      <a:defRPr sz="2200">
+        <a:latin typeface="+mj-lt"/>
+        <a:ea typeface="+mj-ea"/>
+        <a:cs typeface="+mj-cs"/>
         <a:sym typeface="Helvetica Neue"/>
       </a:defRPr>
     </a:lvl1pPr>
@@ -222,10 +222,10 @@
       <a:lnSpc>
         <a:spcPct val="117999"/>
       </a:lnSpc>
-      <a:defRPr sz="3000">
-        <a:latin typeface="Helvetica Neue"/>
-        <a:ea typeface="Helvetica Neue"/>
-        <a:cs typeface="Helvetica Neue"/>
+      <a:defRPr sz="2200">
+        <a:latin typeface="+mj-lt"/>
+        <a:ea typeface="+mj-ea"/>
+        <a:cs typeface="+mj-cs"/>
         <a:sym typeface="Helvetica Neue"/>
       </a:defRPr>
     </a:lvl2pPr>
@@ -233,10 +233,10 @@
       <a:lnSpc>
         <a:spcPct val="117999"/>
       </a:lnSpc>
-      <a:defRPr sz="3000">
-        <a:latin typeface="Helvetica Neue"/>
-        <a:ea typeface="Helvetica Neue"/>
-        <a:cs typeface="Helvetica Neue"/>
+      <a:defRPr sz="2200">
+        <a:latin typeface="+mj-lt"/>
+        <a:ea typeface="+mj-ea"/>
+        <a:cs typeface="+mj-cs"/>
         <a:sym typeface="Helvetica Neue"/>
       </a:defRPr>
     </a:lvl3pPr>
@@ -244,10 +244,10 @@
       <a:lnSpc>
         <a:spcPct val="117999"/>
       </a:lnSpc>
-      <a:defRPr sz="3000">
-        <a:latin typeface="Helvetica Neue"/>
-        <a:ea typeface="Helvetica Neue"/>
-        <a:cs typeface="Helvetica Neue"/>
+      <a:defRPr sz="2200">
+        <a:latin typeface="+mj-lt"/>
+        <a:ea typeface="+mj-ea"/>
+        <a:cs typeface="+mj-cs"/>
         <a:sym typeface="Helvetica Neue"/>
       </a:defRPr>
     </a:lvl4pPr>
@@ -255,10 +255,10 @@
       <a:lnSpc>
         <a:spcPct val="117999"/>
       </a:lnSpc>
-      <a:defRPr sz="3000">
-        <a:latin typeface="Helvetica Neue"/>
-        <a:ea typeface="Helvetica Neue"/>
-        <a:cs typeface="Helvetica Neue"/>
+      <a:defRPr sz="2200">
+        <a:latin typeface="+mj-lt"/>
+        <a:ea typeface="+mj-ea"/>
+        <a:cs typeface="+mj-cs"/>
         <a:sym typeface="Helvetica Neue"/>
       </a:defRPr>
     </a:lvl5pPr>
@@ -266,10 +266,10 @@
       <a:lnSpc>
         <a:spcPct val="117999"/>
       </a:lnSpc>
-      <a:defRPr sz="3000">
-        <a:latin typeface="Helvetica Neue"/>
-        <a:ea typeface="Helvetica Neue"/>
-        <a:cs typeface="Helvetica Neue"/>
+      <a:defRPr sz="2200">
+        <a:latin typeface="+mj-lt"/>
+        <a:ea typeface="+mj-ea"/>
+        <a:cs typeface="+mj-cs"/>
         <a:sym typeface="Helvetica Neue"/>
       </a:defRPr>
     </a:lvl6pPr>
@@ -277,10 +277,10 @@
       <a:lnSpc>
         <a:spcPct val="117999"/>
       </a:lnSpc>
-      <a:defRPr sz="3000">
-        <a:latin typeface="Helvetica Neue"/>
-        <a:ea typeface="Helvetica Neue"/>
-        <a:cs typeface="Helvetica Neue"/>
+      <a:defRPr sz="2200">
+        <a:latin typeface="+mj-lt"/>
+        <a:ea typeface="+mj-ea"/>
+        <a:cs typeface="+mj-cs"/>
         <a:sym typeface="Helvetica Neue"/>
       </a:defRPr>
     </a:lvl7pPr>
@@ -288,10 +288,10 @@
       <a:lnSpc>
         <a:spcPct val="117999"/>
       </a:lnSpc>
-      <a:defRPr sz="3000">
-        <a:latin typeface="Helvetica Neue"/>
-        <a:ea typeface="Helvetica Neue"/>
-        <a:cs typeface="Helvetica Neue"/>
+      <a:defRPr sz="2200">
+        <a:latin typeface="+mj-lt"/>
+        <a:ea typeface="+mj-ea"/>
+        <a:cs typeface="+mj-cs"/>
         <a:sym typeface="Helvetica Neue"/>
       </a:defRPr>
     </a:lvl8pPr>
@@ -299,10 +299,10 @@
       <a:lnSpc>
         <a:spcPct val="117999"/>
       </a:lnSpc>
-      <a:defRPr sz="3000">
-        <a:latin typeface="Helvetica Neue"/>
-        <a:ea typeface="Helvetica Neue"/>
-        <a:cs typeface="Helvetica Neue"/>
+      <a:defRPr sz="2200">
+        <a:latin typeface="+mj-lt"/>
+        <a:ea typeface="+mj-ea"/>
+        <a:cs typeface="+mj-cs"/>
         <a:sym typeface="Helvetica Neue"/>
       </a:defRPr>
     </a:lvl9pPr>
@@ -335,8 +335,8 @@
         </p:nvSpPr>
         <p:spPr>
           <a:xfrm>
-            <a:off x="3762375" y="9269015"/>
-            <a:ext cx="16874231" cy="1"/>
+            <a:off x="3762374" y="9267427"/>
+            <a:ext cx="16874232" cy="1"/>
           </a:xfrm>
           <a:custGeom>
             <a:avLst/>
@@ -366,9 +366,6 @@
                   <a:pt x="21600" y="0"/>
                 </a:lnTo>
                 <a:lnTo>
-                  <a:pt x="21600" y="0"/>
-                </a:lnTo>
-                <a:lnTo>
                   <a:pt x="0" y="0"/>
                 </a:lnTo>
                 <a:close/>
@@ -393,9 +390,9 @@
                 <a:solidFill>
                   <a:srgbClr val="000000"/>
                 </a:solidFill>
-                <a:latin typeface="Helvetica"/>
-                <a:ea typeface="Helvetica"/>
-                <a:cs typeface="Helvetica"/>
+                <a:latin typeface="+mn-lt"/>
+                <a:ea typeface="+mn-ea"/>
+                <a:cs typeface="+mn-cs"/>
                 <a:sym typeface="Helvetica"/>
               </a:defRPr>
             </a:pPr>
@@ -410,7 +407,7 @@
         </p:nvSpPr>
         <p:spPr>
           <a:xfrm>
-            <a:off x="3762375" y="5750718"/>
+            <a:off x="3762375" y="5749130"/>
             <a:ext cx="16875027" cy="1"/>
           </a:xfrm>
           <a:custGeom>
@@ -441,9 +438,6 @@
                   <a:pt x="21600" y="0"/>
                 </a:lnTo>
                 <a:lnTo>
-                  <a:pt x="21600" y="0"/>
-                </a:lnTo>
-                <a:lnTo>
                   <a:pt x="0" y="0"/>
                 </a:lnTo>
                 <a:close/>
@@ -468,9 +462,9 @@
                 <a:solidFill>
                   <a:srgbClr val="000000"/>
                 </a:solidFill>
-                <a:latin typeface="Helvetica"/>
-                <a:ea typeface="Helvetica"/>
-                <a:cs typeface="Helvetica"/>
+                <a:latin typeface="+mn-lt"/>
+                <a:ea typeface="+mn-ea"/>
+                <a:cs typeface="+mn-cs"/>
                 <a:sym typeface="Helvetica"/>
               </a:defRPr>
             </a:pPr>
@@ -485,8 +479,8 @@
         </p:nvSpPr>
         <p:spPr>
           <a:xfrm rot="16200000">
-            <a:off x="13134923" y="7520111"/>
-            <a:ext cx="2310130" cy="1"/>
+            <a:off x="13132699" y="7520746"/>
+            <a:ext cx="2310131" cy="1"/>
           </a:xfrm>
           <a:custGeom>
             <a:avLst/>
@@ -516,9 +510,6 @@
                   <a:pt x="21600" y="0"/>
                 </a:lnTo>
                 <a:lnTo>
-                  <a:pt x="21600" y="0"/>
-                </a:lnTo>
-                <a:lnTo>
                   <a:pt x="0" y="0"/>
                 </a:lnTo>
                 <a:close/>
@@ -543,9 +534,9 @@
                 <a:solidFill>
                   <a:srgbClr val="000000"/>
                 </a:solidFill>
-                <a:latin typeface="Helvetica"/>
-                <a:ea typeface="Helvetica"/>
-                <a:cs typeface="Helvetica"/>
+                <a:latin typeface="+mn-lt"/>
+                <a:ea typeface="+mn-ea"/>
+                <a:cs typeface="+mn-cs"/>
                 <a:sym typeface="Helvetica"/>
               </a:defRPr>
             </a:pPr>
@@ -562,8 +553,8 @@
         </p:nvSpPr>
         <p:spPr>
           <a:xfrm>
-            <a:off x="3762375" y="5822156"/>
-            <a:ext cx="10126266" cy="3393282"/>
+            <a:off x="3762375" y="4107655"/>
+            <a:ext cx="10126266" cy="6822283"/>
           </a:xfrm>
           <a:prstGeom prst="rect">
             <a:avLst/>
@@ -603,8 +594,8 @@
         </p:nvSpPr>
         <p:spPr>
           <a:xfrm>
-            <a:off x="14692312" y="5822156"/>
-            <a:ext cx="5965032" cy="3393282"/>
+            <a:off x="14692312" y="4107655"/>
+            <a:ext cx="5965033" cy="6822283"/>
           </a:xfrm>
           <a:prstGeom prst="rect">
             <a:avLst/>
@@ -623,7 +614,7 @@
               <a:buNone/>
               <a:defRPr sz="3200"/>
             </a:lvl1pPr>
-            <a:lvl2pPr marL="0" indent="228600">
+            <a:lvl2pPr marL="0" indent="0">
               <a:spcBef>
                 <a:spcPts val="0"/>
               </a:spcBef>
@@ -633,7 +624,7 @@
               <a:buNone/>
               <a:defRPr sz="3200"/>
             </a:lvl2pPr>
-            <a:lvl3pPr marL="0" indent="457200">
+            <a:lvl3pPr marL="0" indent="0">
               <a:spcBef>
                 <a:spcPts val="0"/>
               </a:spcBef>
@@ -643,7 +634,7 @@
               <a:buNone/>
               <a:defRPr sz="3200"/>
             </a:lvl3pPr>
-            <a:lvl4pPr marL="0" indent="685800">
+            <a:lvl4pPr marL="0" indent="0">
               <a:spcBef>
                 <a:spcPts val="0"/>
               </a:spcBef>
@@ -653,7 +644,7 @@
               <a:buNone/>
               <a:defRPr sz="3200"/>
             </a:lvl4pPr>
-            <a:lvl5pPr marL="0" indent="914400">
+            <a:lvl5pPr marL="0" indent="0">
               <a:spcBef>
                 <a:spcPts val="0"/>
               </a:spcBef>
@@ -883,8 +874,8 @@
         </p:nvSpPr>
         <p:spPr>
           <a:xfrm rot="16200000">
-            <a:off x="13134923" y="11074127"/>
-            <a:ext cx="2310130" cy="1"/>
+            <a:off x="13132699" y="11074762"/>
+            <a:ext cx="2310131" cy="1"/>
           </a:xfrm>
           <a:custGeom>
             <a:avLst/>
@@ -914,9 +905,6 @@
                   <a:pt x="21600" y="0"/>
                 </a:lnTo>
                 <a:lnTo>
-                  <a:pt x="21600" y="0"/>
-                </a:lnTo>
-                <a:lnTo>
                   <a:pt x="0" y="0"/>
                 </a:lnTo>
                 <a:close/>
@@ -941,9 +929,9 @@
                 <a:solidFill>
                   <a:srgbClr val="000000"/>
                 </a:solidFill>
-                <a:latin typeface="Helvetica"/>
-                <a:ea typeface="Helvetica"/>
-                <a:cs typeface="Helvetica"/>
+                <a:latin typeface="+mn-lt"/>
+                <a:ea typeface="+mn-ea"/>
+                <a:cs typeface="+mn-cs"/>
                 <a:sym typeface="Helvetica"/>
               </a:defRPr>
             </a:pPr>
@@ -958,8 +946,8 @@
         </p:nvSpPr>
         <p:spPr>
           <a:xfrm>
-            <a:off x="3762375" y="12840890"/>
-            <a:ext cx="16874231" cy="1"/>
+            <a:off x="3762374" y="12839302"/>
+            <a:ext cx="16874232" cy="1"/>
           </a:xfrm>
           <a:custGeom>
             <a:avLst/>
@@ -989,9 +977,6 @@
                   <a:pt x="21600" y="0"/>
                 </a:lnTo>
                 <a:lnTo>
-                  <a:pt x="21600" y="0"/>
-                </a:lnTo>
-                <a:lnTo>
                   <a:pt x="0" y="0"/>
                 </a:lnTo>
                 <a:close/>
@@ -1016,9 +1001,9 @@
                 <a:solidFill>
                   <a:srgbClr val="000000"/>
                 </a:solidFill>
-                <a:latin typeface="Helvetica"/>
-                <a:ea typeface="Helvetica"/>
-                <a:cs typeface="Helvetica"/>
+                <a:latin typeface="+mn-lt"/>
+                <a:ea typeface="+mn-ea"/>
+                <a:cs typeface="+mn-cs"/>
                 <a:sym typeface="Helvetica"/>
               </a:defRPr>
             </a:pPr>
@@ -1033,7 +1018,7 @@
         </p:nvSpPr>
         <p:spPr>
           <a:xfrm>
-            <a:off x="3762375" y="9322593"/>
+            <a:off x="3762375" y="9321005"/>
             <a:ext cx="16875027" cy="1"/>
           </a:xfrm>
           <a:custGeom>
@@ -1064,9 +1049,6 @@
                   <a:pt x="21600" y="0"/>
                 </a:lnTo>
                 <a:lnTo>
-                  <a:pt x="21600" y="0"/>
-                </a:lnTo>
-                <a:lnTo>
                   <a:pt x="0" y="0"/>
                 </a:lnTo>
                 <a:close/>
@@ -1091,9 +1073,9 @@
                 <a:solidFill>
                   <a:srgbClr val="000000"/>
                 </a:solidFill>
-                <a:latin typeface="Helvetica"/>
-                <a:ea typeface="Helvetica"/>
-                <a:cs typeface="Helvetica"/>
+                <a:latin typeface="+mn-lt"/>
+                <a:ea typeface="+mn-ea"/>
+                <a:cs typeface="+mn-cs"/>
                 <a:sym typeface="Helvetica"/>
               </a:defRPr>
             </a:pPr>
@@ -1108,8 +1090,8 @@
         </p:nvSpPr>
         <p:spPr>
           <a:xfrm rot="16200000">
-            <a:off x="13134923" y="11074127"/>
-            <a:ext cx="2310130" cy="1"/>
+            <a:off x="13132699" y="11074762"/>
+            <a:ext cx="2310131" cy="1"/>
           </a:xfrm>
           <a:custGeom>
             <a:avLst/>
@@ -1139,9 +1121,6 @@
                   <a:pt x="21600" y="0"/>
                 </a:lnTo>
                 <a:lnTo>
-                  <a:pt x="21600" y="0"/>
-                </a:lnTo>
-                <a:lnTo>
                   <a:pt x="0" y="0"/>
                 </a:lnTo>
                 <a:close/>
@@ -1166,9 +1145,9 @@
                 <a:solidFill>
                   <a:srgbClr val="000000"/>
                 </a:solidFill>
-                <a:latin typeface="Helvetica"/>
-                <a:ea typeface="Helvetica"/>
-                <a:cs typeface="Helvetica"/>
+                <a:latin typeface="+mn-lt"/>
+                <a:ea typeface="+mn-ea"/>
+                <a:cs typeface="+mn-cs"/>
                 <a:sym typeface="Helvetica"/>
               </a:defRPr>
             </a:pPr>
@@ -1185,8 +1164,8 @@
         </p:nvSpPr>
         <p:spPr>
           <a:xfrm>
-            <a:off x="3762375" y="9394031"/>
-            <a:ext cx="10126266" cy="3393282"/>
+            <a:off x="3762375" y="8465344"/>
+            <a:ext cx="10126266" cy="5250656"/>
           </a:xfrm>
           <a:prstGeom prst="rect">
             <a:avLst/>
@@ -1226,8 +1205,8 @@
         </p:nvSpPr>
         <p:spPr>
           <a:xfrm>
-            <a:off x="14692312" y="9394031"/>
-            <a:ext cx="5965032" cy="3393282"/>
+            <a:off x="14692312" y="8465344"/>
+            <a:ext cx="5965033" cy="5250656"/>
           </a:xfrm>
           <a:prstGeom prst="rect">
             <a:avLst/>
@@ -1246,7 +1225,7 @@
               <a:buNone/>
               <a:defRPr sz="3200"/>
             </a:lvl1pPr>
-            <a:lvl2pPr marL="0" indent="228600">
+            <a:lvl2pPr marL="0" indent="0">
               <a:spcBef>
                 <a:spcPts val="0"/>
               </a:spcBef>
@@ -1256,7 +1235,7 @@
               <a:buNone/>
               <a:defRPr sz="3200"/>
             </a:lvl2pPr>
-            <a:lvl3pPr marL="0" indent="457200">
+            <a:lvl3pPr marL="0" indent="0">
               <a:spcBef>
                 <a:spcPts val="0"/>
               </a:spcBef>
@@ -1266,7 +1245,7 @@
               <a:buNone/>
               <a:defRPr sz="3200"/>
             </a:lvl3pPr>
-            <a:lvl4pPr marL="0" indent="685800">
+            <a:lvl4pPr marL="0" indent="0">
               <a:spcBef>
                 <a:spcPts val="0"/>
               </a:spcBef>
@@ -1276,7 +1255,7 @@
               <a:buNone/>
               <a:defRPr sz="3200"/>
             </a:lvl4pPr>
-            <a:lvl5pPr marL="0" indent="914400">
+            <a:lvl5pPr marL="0" indent="0">
               <a:spcBef>
                 <a:spcPts val="0"/>
               </a:spcBef>
@@ -1430,8 +1409,8 @@
         </p:nvSpPr>
         <p:spPr>
           <a:xfrm>
-            <a:off x="3762375" y="5161359"/>
-            <a:ext cx="16859250" cy="3393282"/>
+            <a:off x="3762375" y="5161358"/>
+            <a:ext cx="16859250" cy="3393284"/>
           </a:xfrm>
           <a:prstGeom prst="rect">
             <a:avLst/>
@@ -1493,8 +1472,8 @@
         </p:nvSpPr>
         <p:spPr>
           <a:xfrm>
-            <a:off x="3762375" y="6858000"/>
-            <a:ext cx="7982400" cy="0"/>
+            <a:off x="3762375" y="6856412"/>
+            <a:ext cx="7982401" cy="1"/>
           </a:xfrm>
           <a:custGeom>
             <a:avLst/>
@@ -1524,9 +1503,6 @@
                   <a:pt x="21600" y="0"/>
                 </a:lnTo>
                 <a:lnTo>
-                  <a:pt x="21600" y="0"/>
-                </a:lnTo>
-                <a:lnTo>
                   <a:pt x="0" y="0"/>
                 </a:lnTo>
                 <a:close/>
@@ -1551,9 +1527,9 @@
                 <a:solidFill>
                   <a:srgbClr val="000000"/>
                 </a:solidFill>
-                <a:latin typeface="Helvetica"/>
-                <a:ea typeface="Helvetica"/>
-                <a:cs typeface="Helvetica"/>
+                <a:latin typeface="+mn-lt"/>
+                <a:ea typeface="+mn-ea"/>
+                <a:cs typeface="+mn-cs"/>
                 <a:sym typeface="Helvetica"/>
               </a:defRPr>
             </a:pPr>
@@ -1568,7 +1544,7 @@
         </p:nvSpPr>
         <p:spPr>
           <a:xfrm>
-            <a:off x="3762375" y="3893343"/>
+            <a:off x="3762375" y="3891755"/>
             <a:ext cx="7982320" cy="1"/>
           </a:xfrm>
           <a:custGeom>
@@ -1599,9 +1575,6 @@
                   <a:pt x="21600" y="0"/>
                 </a:lnTo>
                 <a:lnTo>
-                  <a:pt x="21600" y="0"/>
-                </a:lnTo>
-                <a:lnTo>
                   <a:pt x="0" y="0"/>
                 </a:lnTo>
                 <a:close/>
@@ -1626,9 +1599,9 @@
                 <a:solidFill>
                   <a:srgbClr val="000000"/>
                 </a:solidFill>
-                <a:latin typeface="Helvetica"/>
-                <a:ea typeface="Helvetica"/>
-                <a:cs typeface="Helvetica"/>
+                <a:latin typeface="+mn-lt"/>
+                <a:ea typeface="+mn-ea"/>
+                <a:cs typeface="+mn-cs"/>
                 <a:sym typeface="Helvetica"/>
               </a:defRPr>
             </a:pPr>
@@ -1645,8 +1618,8 @@
         </p:nvSpPr>
         <p:spPr>
           <a:xfrm>
-            <a:off x="3762375" y="3946921"/>
-            <a:ext cx="7983141" cy="2857501"/>
+            <a:off x="3762375" y="3679031"/>
+            <a:ext cx="7983141" cy="3393281"/>
           </a:xfrm>
           <a:prstGeom prst="rect">
             <a:avLst/>
@@ -1688,8 +1661,8 @@
         </p:nvSpPr>
         <p:spPr>
           <a:xfrm>
-            <a:off x="3762375" y="7072312"/>
-            <a:ext cx="7983141" cy="5643563"/>
+            <a:off x="3762375" y="7072311"/>
+            <a:ext cx="7983141" cy="6643689"/>
           </a:xfrm>
           <a:prstGeom prst="rect">
             <a:avLst/>
@@ -1708,7 +1681,7 @@
               <a:buNone/>
               <a:defRPr sz="3200"/>
             </a:lvl1pPr>
-            <a:lvl2pPr marL="0" indent="228600">
+            <a:lvl2pPr marL="0" indent="0">
               <a:spcBef>
                 <a:spcPts val="0"/>
               </a:spcBef>
@@ -1718,7 +1691,7 @@
               <a:buNone/>
               <a:defRPr sz="3200"/>
             </a:lvl2pPr>
-            <a:lvl3pPr marL="0" indent="457200">
+            <a:lvl3pPr marL="0" indent="0">
               <a:spcBef>
                 <a:spcPts val="0"/>
               </a:spcBef>
@@ -1728,7 +1701,7 @@
               <a:buNone/>
               <a:defRPr sz="3200"/>
             </a:lvl3pPr>
-            <a:lvl4pPr marL="0" indent="685800">
+            <a:lvl4pPr marL="0" indent="0">
               <a:spcBef>
                 <a:spcPts val="0"/>
               </a:spcBef>
@@ -1738,7 +1711,7 @@
               <a:buNone/>
               <a:defRPr sz="3200"/>
             </a:lvl4pPr>
-            <a:lvl5pPr marL="0" indent="914400">
+            <a:lvl5pPr marL="0" indent="0">
               <a:spcBef>
                 <a:spcPts val="0"/>
               </a:spcBef>
@@ -1891,6 +1864,10 @@
           </p:nvPr>
         </p:nvSpPr>
         <p:spPr>
+          <a:xfrm>
+            <a:off x="3762375" y="1313"/>
+            <a:ext cx="16859250" cy="3962155"/>
+          </a:xfrm>
           <a:prstGeom prst="rect">
             <a:avLst/>
           </a:prstGeom>
@@ -2136,6 +2113,10 @@
           </p:nvPr>
         </p:nvSpPr>
         <p:spPr>
+          <a:xfrm>
+            <a:off x="3762375" y="581969"/>
+            <a:ext cx="16859250" cy="2800843"/>
+          </a:xfrm>
           <a:prstGeom prst="rect">
             <a:avLst/>
           </a:prstGeom>
@@ -2172,8 +2153,8 @@
         </p:nvSpPr>
         <p:spPr>
           <a:xfrm>
-            <a:off x="3762375" y="3839765"/>
-            <a:ext cx="8179594" cy="8929689"/>
+            <a:off x="3762375" y="3382811"/>
+            <a:ext cx="8179594" cy="9843596"/>
           </a:xfrm>
           <a:prstGeom prst="rect">
             <a:avLst/>
@@ -2189,28 +2170,28 @@
               <a:buSzPct val="65000"/>
               <a:defRPr sz="4200"/>
             </a:lvl1pPr>
-            <a:lvl2pPr marL="944879" indent="-551179">
+            <a:lvl2pPr marL="944878" indent="-551179">
               <a:spcBef>
                 <a:spcPts val="1800"/>
               </a:spcBef>
               <a:buSzPct val="65000"/>
               <a:defRPr sz="4200"/>
             </a:lvl2pPr>
-            <a:lvl3pPr marL="1338579" indent="-551179">
+            <a:lvl3pPr marL="1338578" indent="-551179">
               <a:spcBef>
                 <a:spcPts val="1800"/>
               </a:spcBef>
               <a:buSzPct val="65000"/>
               <a:defRPr sz="4200"/>
             </a:lvl3pPr>
-            <a:lvl4pPr marL="1732279" indent="-551179">
+            <a:lvl4pPr marL="1732278" indent="-551178">
               <a:spcBef>
                 <a:spcPts val="1800"/>
               </a:spcBef>
               <a:buSzPct val="65000"/>
               <a:defRPr sz="4200"/>
             </a:lvl4pPr>
-            <a:lvl5pPr marL="2125979" indent="-551179">
+            <a:lvl5pPr marL="2125978" indent="-551178">
               <a:spcBef>
                 <a:spcPts val="1800"/>
               </a:spcBef>
@@ -2361,8 +2342,8 @@
         </p:nvSpPr>
         <p:spPr>
           <a:xfrm>
-            <a:off x="3762375" y="1785937"/>
-            <a:ext cx="16859250" cy="10144126"/>
+            <a:off x="3762375" y="1785936"/>
+            <a:ext cx="16859250" cy="10144127"/>
           </a:xfrm>
           <a:prstGeom prst="rect">
             <a:avLst/>
@@ -2549,8 +2530,8 @@
         </p:nvSpPr>
         <p:spPr>
           <a:xfrm>
-            <a:off x="3762375" y="3053953"/>
-            <a:ext cx="16871192" cy="1"/>
+            <a:off x="3762374" y="3052365"/>
+            <a:ext cx="16871193" cy="1"/>
           </a:xfrm>
           <a:custGeom>
             <a:avLst/>
@@ -2580,9 +2561,6 @@
                   <a:pt x="21600" y="0"/>
                 </a:lnTo>
                 <a:lnTo>
-                  <a:pt x="21600" y="0"/>
-                </a:lnTo>
-                <a:lnTo>
                   <a:pt x="0" y="0"/>
                 </a:lnTo>
                 <a:close/>
@@ -2607,9 +2585,9 @@
                 <a:solidFill>
                   <a:srgbClr val="000000"/>
                 </a:solidFill>
-                <a:latin typeface="Helvetica"/>
-                <a:ea typeface="Helvetica"/>
-                <a:cs typeface="Helvetica"/>
+                <a:latin typeface="+mn-lt"/>
+                <a:ea typeface="+mn-ea"/>
+                <a:cs typeface="+mn-cs"/>
                 <a:sym typeface="Helvetica"/>
               </a:defRPr>
             </a:pPr>
@@ -2624,8 +2602,8 @@
         </p:nvSpPr>
         <p:spPr>
           <a:xfrm>
-            <a:off x="3762375" y="892968"/>
-            <a:ext cx="16871192" cy="1"/>
+            <a:off x="3762374" y="891380"/>
+            <a:ext cx="16871193" cy="1"/>
           </a:xfrm>
           <a:custGeom>
             <a:avLst/>
@@ -2655,9 +2633,6 @@
                   <a:pt x="21600" y="0"/>
                 </a:lnTo>
                 <a:lnTo>
-                  <a:pt x="21600" y="0"/>
-                </a:lnTo>
-                <a:lnTo>
                   <a:pt x="0" y="0"/>
                 </a:lnTo>
                 <a:close/>
@@ -2682,9 +2657,9 @@
                 <a:solidFill>
                   <a:srgbClr val="000000"/>
                 </a:solidFill>
-                <a:latin typeface="Helvetica"/>
-                <a:ea typeface="Helvetica"/>
-                <a:cs typeface="Helvetica"/>
+                <a:latin typeface="+mn-lt"/>
+                <a:ea typeface="+mn-ea"/>
+                <a:cs typeface="+mn-cs"/>
                 <a:sym typeface="Helvetica"/>
               </a:defRPr>
             </a:pPr>
@@ -2701,8 +2676,8 @@
         </p:nvSpPr>
         <p:spPr>
           <a:xfrm>
-            <a:off x="3762375" y="1125140"/>
-            <a:ext cx="16859250" cy="1714501"/>
+            <a:off x="3762375" y="750093"/>
+            <a:ext cx="16859250" cy="2464595"/>
           </a:xfrm>
           <a:prstGeom prst="rect">
             <a:avLst/>
@@ -2750,8 +2725,8 @@
         </p:nvSpPr>
         <p:spPr>
           <a:xfrm>
-            <a:off x="3762375" y="3696890"/>
-            <a:ext cx="16859250" cy="8572501"/>
+            <a:off x="3762375" y="3214687"/>
+            <a:ext cx="16859250" cy="9536907"/>
           </a:xfrm>
           <a:prstGeom prst="rect">
             <a:avLst/>
@@ -2908,13 +2883,13 @@
           <a:solidFill>
             <a:srgbClr val="D93E2B"/>
           </a:solidFill>
-          <a:latin typeface="+mn-lt"/>
-          <a:ea typeface="+mn-ea"/>
-          <a:cs typeface="+mn-cs"/>
+          <a:latin typeface="Bodoni SvtyTwo ITC TT-Book"/>
+          <a:ea typeface="Bodoni SvtyTwo ITC TT-Book"/>
+          <a:cs typeface="Bodoni SvtyTwo ITC TT-Book"/>
           <a:sym typeface="Bodoni SvtyTwo ITC TT-Book"/>
         </a:defRPr>
       </a:lvl1pPr>
-      <a:lvl2pPr indent="228600" algn="ctr" defTabSz="584200">
+      <a:lvl2pPr algn="ctr" defTabSz="584200">
         <a:lnSpc>
           <a:spcPct val="90000"/>
         </a:lnSpc>
@@ -2925,13 +2900,13 @@
           <a:solidFill>
             <a:srgbClr val="D93E2B"/>
           </a:solidFill>
-          <a:latin typeface="+mn-lt"/>
-          <a:ea typeface="+mn-ea"/>
-          <a:cs typeface="+mn-cs"/>
+          <a:latin typeface="Bodoni SvtyTwo ITC TT-Book"/>
+          <a:ea typeface="Bodoni SvtyTwo ITC TT-Book"/>
+          <a:cs typeface="Bodoni SvtyTwo ITC TT-Book"/>
           <a:sym typeface="Bodoni SvtyTwo ITC TT-Book"/>
         </a:defRPr>
       </a:lvl2pPr>
-      <a:lvl3pPr indent="457200" algn="ctr" defTabSz="584200">
+      <a:lvl3pPr algn="ctr" defTabSz="584200">
         <a:lnSpc>
           <a:spcPct val="90000"/>
         </a:lnSpc>
@@ -2942,13 +2917,13 @@
           <a:solidFill>
             <a:srgbClr val="D93E2B"/>
           </a:solidFill>
-          <a:latin typeface="+mn-lt"/>
-          <a:ea typeface="+mn-ea"/>
-          <a:cs typeface="+mn-cs"/>
+          <a:latin typeface="Bodoni SvtyTwo ITC TT-Book"/>
+          <a:ea typeface="Bodoni SvtyTwo ITC TT-Book"/>
+          <a:cs typeface="Bodoni SvtyTwo ITC TT-Book"/>
           <a:sym typeface="Bodoni SvtyTwo ITC TT-Book"/>
         </a:defRPr>
       </a:lvl3pPr>
-      <a:lvl4pPr indent="685800" algn="ctr" defTabSz="584200">
+      <a:lvl4pPr algn="ctr" defTabSz="584200">
         <a:lnSpc>
           <a:spcPct val="90000"/>
         </a:lnSpc>
@@ -2959,13 +2934,13 @@
           <a:solidFill>
             <a:srgbClr val="D93E2B"/>
           </a:solidFill>
-          <a:latin typeface="+mn-lt"/>
-          <a:ea typeface="+mn-ea"/>
-          <a:cs typeface="+mn-cs"/>
+          <a:latin typeface="Bodoni SvtyTwo ITC TT-Book"/>
+          <a:ea typeface="Bodoni SvtyTwo ITC TT-Book"/>
+          <a:cs typeface="Bodoni SvtyTwo ITC TT-Book"/>
           <a:sym typeface="Bodoni SvtyTwo ITC TT-Book"/>
         </a:defRPr>
       </a:lvl4pPr>
-      <a:lvl5pPr indent="914400" algn="ctr" defTabSz="584200">
+      <a:lvl5pPr algn="ctr" defTabSz="584200">
         <a:lnSpc>
           <a:spcPct val="90000"/>
         </a:lnSpc>
@@ -2976,13 +2951,13 @@
           <a:solidFill>
             <a:srgbClr val="D93E2B"/>
           </a:solidFill>
-          <a:latin typeface="+mn-lt"/>
-          <a:ea typeface="+mn-ea"/>
-          <a:cs typeface="+mn-cs"/>
+          <a:latin typeface="Bodoni SvtyTwo ITC TT-Book"/>
+          <a:ea typeface="Bodoni SvtyTwo ITC TT-Book"/>
+          <a:cs typeface="Bodoni SvtyTwo ITC TT-Book"/>
           <a:sym typeface="Bodoni SvtyTwo ITC TT-Book"/>
         </a:defRPr>
       </a:lvl5pPr>
-      <a:lvl6pPr indent="1143000" algn="ctr" defTabSz="584200">
+      <a:lvl6pPr algn="ctr" defTabSz="584200">
         <a:lnSpc>
           <a:spcPct val="90000"/>
         </a:lnSpc>
@@ -2993,13 +2968,13 @@
           <a:solidFill>
             <a:srgbClr val="D93E2B"/>
           </a:solidFill>
-          <a:latin typeface="+mn-lt"/>
-          <a:ea typeface="+mn-ea"/>
-          <a:cs typeface="+mn-cs"/>
+          <a:latin typeface="Bodoni SvtyTwo ITC TT-Book"/>
+          <a:ea typeface="Bodoni SvtyTwo ITC TT-Book"/>
+          <a:cs typeface="Bodoni SvtyTwo ITC TT-Book"/>
           <a:sym typeface="Bodoni SvtyTwo ITC TT-Book"/>
         </a:defRPr>
       </a:lvl6pPr>
-      <a:lvl7pPr indent="1371600" algn="ctr" defTabSz="584200">
+      <a:lvl7pPr algn="ctr" defTabSz="584200">
         <a:lnSpc>
           <a:spcPct val="90000"/>
         </a:lnSpc>
@@ -3010,13 +2985,13 @@
           <a:solidFill>
             <a:srgbClr val="D93E2B"/>
           </a:solidFill>
-          <a:latin typeface="+mn-lt"/>
-          <a:ea typeface="+mn-ea"/>
-          <a:cs typeface="+mn-cs"/>
+          <a:latin typeface="Bodoni SvtyTwo ITC TT-Book"/>
+          <a:ea typeface="Bodoni SvtyTwo ITC TT-Book"/>
+          <a:cs typeface="Bodoni SvtyTwo ITC TT-Book"/>
           <a:sym typeface="Bodoni SvtyTwo ITC TT-Book"/>
         </a:defRPr>
       </a:lvl7pPr>
-      <a:lvl8pPr indent="1600200" algn="ctr" defTabSz="584200">
+      <a:lvl8pPr algn="ctr" defTabSz="584200">
         <a:lnSpc>
           <a:spcPct val="90000"/>
         </a:lnSpc>
@@ -3027,13 +3002,13 @@
           <a:solidFill>
             <a:srgbClr val="D93E2B"/>
           </a:solidFill>
-          <a:latin typeface="+mn-lt"/>
-          <a:ea typeface="+mn-ea"/>
-          <a:cs typeface="+mn-cs"/>
+          <a:latin typeface="Bodoni SvtyTwo ITC TT-Book"/>
+          <a:ea typeface="Bodoni SvtyTwo ITC TT-Book"/>
+          <a:cs typeface="Bodoni SvtyTwo ITC TT-Book"/>
           <a:sym typeface="Bodoni SvtyTwo ITC TT-Book"/>
         </a:defRPr>
       </a:lvl8pPr>
-      <a:lvl9pPr indent="1828800" algn="ctr" defTabSz="584200">
+      <a:lvl9pPr algn="ctr" defTabSz="584200">
         <a:lnSpc>
           <a:spcPct val="90000"/>
         </a:lnSpc>
@@ -3044,15 +3019,15 @@
           <a:solidFill>
             <a:srgbClr val="D93E2B"/>
           </a:solidFill>
-          <a:latin typeface="+mn-lt"/>
-          <a:ea typeface="+mn-ea"/>
-          <a:cs typeface="+mn-cs"/>
+          <a:latin typeface="Bodoni SvtyTwo ITC TT-Book"/>
+          <a:ea typeface="Bodoni SvtyTwo ITC TT-Book"/>
+          <a:cs typeface="Bodoni SvtyTwo ITC TT-Book"/>
           <a:sym typeface="Bodoni SvtyTwo ITC TT-Book"/>
         </a:defRPr>
       </a:lvl9pPr>
     </p:titleStyle>
     <p:bodyStyle>
-      <a:lvl1pPr marL="652638" indent="-652638" defTabSz="584200">
+      <a:lvl1pPr marL="652637" indent="-652637" defTabSz="584200">
         <a:spcBef>
           <a:spcPts val="2400"/>
         </a:spcBef>
@@ -3072,7 +3047,7 @@
           <a:sym typeface="Palatino"/>
         </a:defRPr>
       </a:lvl1pPr>
-      <a:lvl2pPr marL="1122538" indent="-652638" defTabSz="584200">
+      <a:lvl2pPr marL="1122537" indent="-652637" defTabSz="584200">
         <a:spcBef>
           <a:spcPts val="2400"/>
         </a:spcBef>
@@ -3092,7 +3067,7 @@
           <a:sym typeface="Palatino"/>
         </a:defRPr>
       </a:lvl2pPr>
-      <a:lvl3pPr marL="1592438" indent="-652638" defTabSz="584200">
+      <a:lvl3pPr marL="1592437" indent="-652637" defTabSz="584200">
         <a:spcBef>
           <a:spcPts val="2400"/>
         </a:spcBef>
@@ -3234,8 +3209,8 @@
       </a:lvl9pPr>
     </p:bodyStyle>
     <p:otherStyle>
-      <a:lvl1pPr algn="ctr" defTabSz="584200">
-        <a:defRPr sz="2400">
+      <a:lvl1pPr algn="r" defTabSz="584200">
+        <a:defRPr sz="1200">
           <a:solidFill>
             <a:schemeClr val="tx1"/>
           </a:solidFill>
@@ -3245,8 +3220,8 @@
           <a:sym typeface="Palatino"/>
         </a:defRPr>
       </a:lvl1pPr>
-      <a:lvl2pPr indent="228600" algn="ctr" defTabSz="584200">
-        <a:defRPr sz="2400">
+      <a:lvl2pPr algn="r" defTabSz="584200">
+        <a:defRPr sz="1200">
           <a:solidFill>
             <a:schemeClr val="tx1"/>
           </a:solidFill>
@@ -3256,8 +3231,8 @@
           <a:sym typeface="Palatino"/>
         </a:defRPr>
       </a:lvl2pPr>
-      <a:lvl3pPr indent="457200" algn="ctr" defTabSz="584200">
-        <a:defRPr sz="2400">
+      <a:lvl3pPr algn="r" defTabSz="584200">
+        <a:defRPr sz="1200">
           <a:solidFill>
             <a:schemeClr val="tx1"/>
           </a:solidFill>
@@ -3267,8 +3242,8 @@
           <a:sym typeface="Palatino"/>
         </a:defRPr>
       </a:lvl3pPr>
-      <a:lvl4pPr indent="685800" algn="ctr" defTabSz="584200">
-        <a:defRPr sz="2400">
+      <a:lvl4pPr algn="r" defTabSz="584200">
+        <a:defRPr sz="1200">
           <a:solidFill>
             <a:schemeClr val="tx1"/>
           </a:solidFill>
@@ -3278,8 +3253,8 @@
           <a:sym typeface="Palatino"/>
         </a:defRPr>
       </a:lvl4pPr>
-      <a:lvl5pPr indent="914400" algn="ctr" defTabSz="584200">
-        <a:defRPr sz="2400">
+      <a:lvl5pPr algn="r" defTabSz="584200">
+        <a:defRPr sz="1200">
           <a:solidFill>
             <a:schemeClr val="tx1"/>
           </a:solidFill>
@@ -3289,8 +3264,8 @@
           <a:sym typeface="Palatino"/>
         </a:defRPr>
       </a:lvl5pPr>
-      <a:lvl6pPr indent="1143000" algn="ctr" defTabSz="584200">
-        <a:defRPr sz="2400">
+      <a:lvl6pPr algn="r" defTabSz="584200">
+        <a:defRPr sz="1200">
           <a:solidFill>
             <a:schemeClr val="tx1"/>
           </a:solidFill>
@@ -3300,8 +3275,8 @@
           <a:sym typeface="Palatino"/>
         </a:defRPr>
       </a:lvl6pPr>
-      <a:lvl7pPr indent="1371600" algn="ctr" defTabSz="584200">
-        <a:defRPr sz="2400">
+      <a:lvl7pPr algn="r" defTabSz="584200">
+        <a:defRPr sz="1200">
           <a:solidFill>
             <a:schemeClr val="tx1"/>
           </a:solidFill>
@@ -3311,8 +3286,8 @@
           <a:sym typeface="Palatino"/>
         </a:defRPr>
       </a:lvl7pPr>
-      <a:lvl8pPr indent="1600200" algn="ctr" defTabSz="584200">
-        <a:defRPr sz="2400">
+      <a:lvl8pPr algn="r" defTabSz="584200">
+        <a:defRPr sz="1200">
           <a:solidFill>
             <a:schemeClr val="tx1"/>
           </a:solidFill>
@@ -3322,8 +3297,8 @@
           <a:sym typeface="Palatino"/>
         </a:defRPr>
       </a:lvl8pPr>
-      <a:lvl9pPr indent="1828800" algn="ctr" defTabSz="584200">
-        <a:defRPr sz="2400">
+      <a:lvl9pPr algn="r" defTabSz="584200">
+        <a:defRPr sz="1200">
           <a:solidFill>
             <a:schemeClr val="tx1"/>
           </a:solidFill>
@@ -3363,8 +3338,8 @@
         </p:nvSpPr>
         <p:spPr>
           <a:xfrm>
-            <a:off x="3762375" y="4929187"/>
-            <a:ext cx="10126266" cy="714376"/>
+            <a:off x="3762375" y="5019675"/>
+            <a:ext cx="10126266" cy="533401"/>
           </a:xfrm>
           <a:prstGeom prst="rect">
             <a:avLst/>
@@ -3387,7 +3362,12 @@
               <a:lnSpc>
                 <a:spcPct val="110000"/>
               </a:lnSpc>
-              <a:defRPr i="1"/>
+              <a:defRPr i="1">
+                <a:latin typeface="Palatino"/>
+                <a:ea typeface="Palatino"/>
+                <a:cs typeface="Palatino"/>
+                <a:sym typeface="Palatino"/>
+              </a:defRPr>
             </a:lvl1pPr>
           </a:lstStyle>
           <a:p>
@@ -3418,6 +3398,10 @@
           </p:nvPr>
         </p:nvSpPr>
         <p:spPr>
+          <a:xfrm>
+            <a:off x="3762375" y="5822155"/>
+            <a:ext cx="10126266" cy="3393283"/>
+          </a:xfrm>
           <a:prstGeom prst="rect">
             <a:avLst/>
           </a:prstGeom>
@@ -3426,7 +3410,7 @@
           <a:bodyPr/>
           <a:lstStyle/>
           <a:p>
-            <a:pPr lvl="1" algn="l">
+            <a:pPr lvl="1" indent="228600" algn="l">
               <a:defRPr sz="1800">
                 <a:solidFill>
                   <a:srgbClr val="000000"/>
@@ -3453,6 +3437,10 @@
           </p:nvPr>
         </p:nvSpPr>
         <p:spPr>
+          <a:xfrm>
+            <a:off x="14692312" y="5822155"/>
+            <a:ext cx="5965033" cy="3393283"/>
+          </a:xfrm>
           <a:prstGeom prst="rect">
             <a:avLst/>
           </a:prstGeom>
@@ -3529,7 +3517,7 @@
       </p:grpSpPr>
       <p:pic>
         <p:nvPicPr>
-          <p:cNvPr id="70" name="Auto_Stock___New_Part.png"/>
+          <p:cNvPr id="70" name="image5.png"/>
           <p:cNvPicPr/>
           <p:nvPr/>
         </p:nvPicPr>
@@ -3543,8 +3531,8 @@
         </p:blipFill>
         <p:spPr>
           <a:xfrm>
-            <a:off x="3939966" y="1700479"/>
-            <a:ext cx="16504068" cy="10315042"/>
+            <a:off x="3939966" y="1700478"/>
+            <a:ext cx="16504069" cy="10315043"/>
           </a:xfrm>
           <a:prstGeom prst="rect">
             <a:avLst/>
@@ -3562,8 +3550,8 @@
         </p:nvSpPr>
         <p:spPr>
           <a:xfrm>
-            <a:off x="10771386" y="12412398"/>
-            <a:ext cx="2841229" cy="676276"/>
+            <a:off x="10771385" y="12412398"/>
+            <a:ext cx="2841229" cy="676275"/>
           </a:xfrm>
           <a:prstGeom prst="rect">
             <a:avLst/>
@@ -3578,10 +3566,19 @@
           </a:extLst>
         </p:spPr>
         <p:txBody>
-          <a:bodyPr wrap="none" lIns="71437" tIns="71437" rIns="71437" bIns="71437" anchor="ctr">
+          <a:bodyPr wrap="none" lIns="71436" tIns="71436" rIns="71436" bIns="71436" anchor="ctr">
             <a:spAutoFit/>
           </a:bodyPr>
-          <a:lstStyle/>
+          <a:lstStyle>
+            <a:lvl1pPr>
+              <a:defRPr>
+                <a:latin typeface="Palatino"/>
+                <a:ea typeface="Palatino"/>
+                <a:cs typeface="Palatino"/>
+                <a:sym typeface="Palatino"/>
+              </a:defRPr>
+            </a:lvl1pPr>
+          </a:lstStyle>
           <a:p>
             <a:pPr lvl="0">
               <a:defRPr sz="1800">
@@ -3629,7 +3626,7 @@
       </p:grpSpPr>
       <p:pic>
         <p:nvPicPr>
-          <p:cNvPr id="73" name="Auto_Stock___Sign_up.png"/>
+          <p:cNvPr id="73" name="image6.png"/>
           <p:cNvPicPr/>
           <p:nvPr/>
         </p:nvPicPr>
@@ -3643,8 +3640,8 @@
         </p:blipFill>
         <p:spPr>
           <a:xfrm>
-            <a:off x="3747335" y="1452370"/>
-            <a:ext cx="16495586" cy="10309742"/>
+            <a:off x="3747334" y="1452369"/>
+            <a:ext cx="16495587" cy="10309743"/>
           </a:xfrm>
           <a:prstGeom prst="rect">
             <a:avLst/>
@@ -3663,7 +3660,7 @@
         <p:spPr>
           <a:xfrm>
             <a:off x="10703796" y="12412398"/>
-            <a:ext cx="2582665" cy="676276"/>
+            <a:ext cx="2582664" cy="676275"/>
           </a:xfrm>
           <a:prstGeom prst="rect">
             <a:avLst/>
@@ -3678,10 +3675,19 @@
           </a:extLst>
         </p:spPr>
         <p:txBody>
-          <a:bodyPr wrap="none" lIns="71437" tIns="71437" rIns="71437" bIns="71437" anchor="ctr">
+          <a:bodyPr wrap="none" lIns="71436" tIns="71436" rIns="71436" bIns="71436" anchor="ctr">
             <a:spAutoFit/>
           </a:bodyPr>
-          <a:lstStyle/>
+          <a:lstStyle>
+            <a:lvl1pPr>
+              <a:defRPr>
+                <a:latin typeface="Palatino"/>
+                <a:ea typeface="Palatino"/>
+                <a:cs typeface="Palatino"/>
+                <a:sym typeface="Palatino"/>
+              </a:defRPr>
+            </a:lvl1pPr>
+          </a:lstStyle>
           <a:p>
             <a:pPr lvl="0">
               <a:defRPr sz="1800">
@@ -3729,7 +3735,7 @@
       </p:grpSpPr>
       <p:pic>
         <p:nvPicPr>
-          <p:cNvPr id="76" name="Auto_Stock___New_Part.png"/>
+          <p:cNvPr id="76" name="image7.png"/>
           <p:cNvPicPr/>
           <p:nvPr/>
         </p:nvPicPr>
@@ -3744,7 +3750,7 @@
         <p:spPr>
           <a:xfrm>
             <a:off x="3048000" y="1142999"/>
-            <a:ext cx="18288001" cy="11430001"/>
+            <a:ext cx="18288002" cy="11430001"/>
           </a:xfrm>
           <a:prstGeom prst="rect">
             <a:avLst/>
@@ -3762,8 +3768,8 @@
         </p:nvSpPr>
         <p:spPr>
           <a:xfrm>
-            <a:off x="10255349" y="12834267"/>
-            <a:ext cx="3873302" cy="676276"/>
+            <a:off x="10255349" y="12834266"/>
+            <a:ext cx="3873301" cy="676275"/>
           </a:xfrm>
           <a:prstGeom prst="rect">
             <a:avLst/>
@@ -3778,10 +3784,19 @@
           </a:extLst>
         </p:spPr>
         <p:txBody>
-          <a:bodyPr wrap="none" lIns="71437" tIns="71437" rIns="71437" bIns="71437" anchor="ctr">
+          <a:bodyPr wrap="none" lIns="71436" tIns="71436" rIns="71436" bIns="71436" anchor="ctr">
             <a:spAutoFit/>
           </a:bodyPr>
-          <a:lstStyle/>
+          <a:lstStyle>
+            <a:lvl1pPr>
+              <a:defRPr>
+                <a:latin typeface="Palatino"/>
+                <a:ea typeface="Palatino"/>
+                <a:cs typeface="Palatino"/>
+                <a:sym typeface="Palatino"/>
+              </a:defRPr>
+            </a:lvl1pPr>
+          </a:lstStyle>
           <a:p>
             <a:pPr lvl="0">
               <a:defRPr sz="1800">
@@ -3829,7 +3844,7 @@
       </p:grpSpPr>
       <p:pic>
         <p:nvPicPr>
-          <p:cNvPr id="79" name="Auto_Stock___Help.png"/>
+          <p:cNvPr id="79" name="image8.png"/>
           <p:cNvPicPr/>
           <p:nvPr/>
         </p:nvPicPr>
@@ -3863,7 +3878,7 @@
         <p:spPr>
           <a:xfrm>
             <a:off x="11181060" y="12384274"/>
-            <a:ext cx="2021880" cy="676276"/>
+            <a:ext cx="2021879" cy="676275"/>
           </a:xfrm>
           <a:prstGeom prst="rect">
             <a:avLst/>
@@ -3878,10 +3893,19 @@
           </a:extLst>
         </p:spPr>
         <p:txBody>
-          <a:bodyPr wrap="none" lIns="71437" tIns="71437" rIns="71437" bIns="71437" anchor="ctr">
+          <a:bodyPr wrap="none" lIns="71436" tIns="71436" rIns="71436" bIns="71436" anchor="ctr">
             <a:spAutoFit/>
           </a:bodyPr>
-          <a:lstStyle/>
+          <a:lstStyle>
+            <a:lvl1pPr>
+              <a:defRPr>
+                <a:latin typeface="Palatino"/>
+                <a:ea typeface="Palatino"/>
+                <a:cs typeface="Palatino"/>
+                <a:sym typeface="Palatino"/>
+              </a:defRPr>
+            </a:lvl1pPr>
+          </a:lstStyle>
           <a:p>
             <a:pPr lvl="0">
               <a:defRPr sz="1800">
@@ -3929,7 +3953,7 @@
       </p:grpSpPr>
       <p:pic>
         <p:nvPicPr>
-          <p:cNvPr id="82" name="Auto_Stock___Parts_Catalogue.png"/>
+          <p:cNvPr id="82" name="image9.png"/>
           <p:cNvPicPr/>
           <p:nvPr/>
         </p:nvPicPr>
@@ -3944,7 +3968,7 @@
         <p:spPr>
           <a:xfrm>
             <a:off x="3047999" y="811108"/>
-            <a:ext cx="18288001" cy="11430001"/>
+            <a:ext cx="18288002" cy="11430001"/>
           </a:xfrm>
           <a:prstGeom prst="rect">
             <a:avLst/>
@@ -3962,8 +3986,8 @@
         </p:nvSpPr>
         <p:spPr>
           <a:xfrm>
-            <a:off x="9709447" y="12510395"/>
-            <a:ext cx="4965106" cy="676276"/>
+            <a:off x="9709446" y="12510395"/>
+            <a:ext cx="4965105" cy="676275"/>
           </a:xfrm>
           <a:prstGeom prst="rect">
             <a:avLst/>
@@ -3978,10 +4002,19 @@
           </a:extLst>
         </p:spPr>
         <p:txBody>
-          <a:bodyPr wrap="none" lIns="71437" tIns="71437" rIns="71437" bIns="71437" anchor="ctr">
+          <a:bodyPr wrap="none" lIns="71436" tIns="71436" rIns="71436" bIns="71436" anchor="ctr">
             <a:spAutoFit/>
           </a:bodyPr>
-          <a:lstStyle/>
+          <a:lstStyle>
+            <a:lvl1pPr>
+              <a:defRPr>
+                <a:latin typeface="Palatino"/>
+                <a:ea typeface="Palatino"/>
+                <a:cs typeface="Palatino"/>
+                <a:sym typeface="Palatino"/>
+              </a:defRPr>
+            </a:lvl1pPr>
+          </a:lstStyle>
           <a:p>
             <a:pPr lvl="0">
               <a:defRPr sz="1800">
@@ -4029,7 +4062,7 @@
       </p:grpSpPr>
       <p:pic>
         <p:nvPicPr>
-          <p:cNvPr id="85" name="Auto_Stock___New_Invoice_and_AutoStockPresentation_key_and_show_html_erb_—_auto_factor.png"/>
+          <p:cNvPr id="85" name="image10.png"/>
           <p:cNvPicPr/>
           <p:nvPr/>
         </p:nvPicPr>
@@ -4043,8 +4076,8 @@
         </p:blipFill>
         <p:spPr>
           <a:xfrm>
-            <a:off x="3173783" y="1424509"/>
-            <a:ext cx="18036434" cy="10866982"/>
+            <a:off x="3173783" y="1424508"/>
+            <a:ext cx="18036434" cy="10866983"/>
           </a:xfrm>
           <a:prstGeom prst="rect">
             <a:avLst/>
@@ -4063,7 +4096,7 @@
         <p:spPr>
           <a:xfrm>
             <a:off x="10582771" y="12622893"/>
-            <a:ext cx="3218458" cy="676276"/>
+            <a:ext cx="3218457" cy="676275"/>
           </a:xfrm>
           <a:prstGeom prst="rect">
             <a:avLst/>
@@ -4078,10 +4111,19 @@
           </a:extLst>
         </p:spPr>
         <p:txBody>
-          <a:bodyPr wrap="none" lIns="71437" tIns="71437" rIns="71437" bIns="71437" anchor="ctr">
+          <a:bodyPr wrap="none" lIns="71436" tIns="71436" rIns="71436" bIns="71436" anchor="ctr">
             <a:spAutoFit/>
           </a:bodyPr>
-          <a:lstStyle/>
+          <a:lstStyle>
+            <a:lvl1pPr>
+              <a:defRPr>
+                <a:latin typeface="Palatino"/>
+                <a:ea typeface="Palatino"/>
+                <a:cs typeface="Palatino"/>
+                <a:sym typeface="Palatino"/>
+              </a:defRPr>
+            </a:lvl1pPr>
+          </a:lstStyle>
           <a:p>
             <a:pPr lvl="0">
               <a:defRPr sz="1800">
@@ -4135,8 +4177,8 @@
         </p:nvSpPr>
         <p:spPr>
           <a:xfrm>
-            <a:off x="10969625" y="12791641"/>
-            <a:ext cx="2444751" cy="676276"/>
+            <a:off x="10969625" y="12791640"/>
+            <a:ext cx="2444750" cy="676275"/>
           </a:xfrm>
           <a:prstGeom prst="rect">
             <a:avLst/>
@@ -4151,10 +4193,19 @@
           </a:extLst>
         </p:spPr>
         <p:txBody>
-          <a:bodyPr wrap="none" lIns="71437" tIns="71437" rIns="71437" bIns="71437" anchor="ctr">
+          <a:bodyPr wrap="none" lIns="71436" tIns="71436" rIns="71436" bIns="71436" anchor="ctr">
             <a:spAutoFit/>
           </a:bodyPr>
-          <a:lstStyle/>
+          <a:lstStyle>
+            <a:lvl1pPr>
+              <a:defRPr>
+                <a:latin typeface="Palatino"/>
+                <a:ea typeface="Palatino"/>
+                <a:cs typeface="Palatino"/>
+                <a:sym typeface="Palatino"/>
+              </a:defRPr>
+            </a:lvl1pPr>
+          </a:lstStyle>
           <a:p>
             <a:pPr lvl="0">
               <a:defRPr sz="1800">
@@ -4176,7 +4227,7 @@
       </p:sp>
       <p:pic>
         <p:nvPicPr>
-          <p:cNvPr id="89" name="Auto_Stock___Invoice.png"/>
+          <p:cNvPr id="89" name="image11.png"/>
           <p:cNvPicPr/>
           <p:nvPr/>
         </p:nvPicPr>
@@ -4191,8 +4242,8 @@
         </p:blipFill>
         <p:spPr>
           <a:xfrm>
-            <a:off x="2281435" y="1015206"/>
-            <a:ext cx="19821084" cy="11685539"/>
+            <a:off x="2281434" y="1015205"/>
+            <a:ext cx="19821086" cy="11685540"/>
           </a:xfrm>
           <a:prstGeom prst="rect">
             <a:avLst/>
@@ -4236,8 +4287,8 @@
         </p:nvSpPr>
         <p:spPr>
           <a:xfrm>
-            <a:off x="7223368" y="12341647"/>
-            <a:ext cx="8658226" cy="676276"/>
+            <a:off x="7223367" y="12341646"/>
+            <a:ext cx="8658225" cy="676275"/>
           </a:xfrm>
           <a:prstGeom prst="rect">
             <a:avLst/>
@@ -4252,10 +4303,19 @@
           </a:extLst>
         </p:spPr>
         <p:txBody>
-          <a:bodyPr wrap="none" lIns="71437" tIns="71437" rIns="71437" bIns="71437" anchor="ctr">
+          <a:bodyPr wrap="none" lIns="71436" tIns="71436" rIns="71436" bIns="71436" anchor="ctr">
             <a:spAutoFit/>
           </a:bodyPr>
-          <a:lstStyle/>
+          <a:lstStyle>
+            <a:lvl1pPr>
+              <a:defRPr>
+                <a:latin typeface="Palatino"/>
+                <a:ea typeface="Palatino"/>
+                <a:cs typeface="Palatino"/>
+                <a:sym typeface="Palatino"/>
+              </a:defRPr>
+            </a:lvl1pPr>
+          </a:lstStyle>
           <a:p>
             <a:pPr lvl="0">
               <a:defRPr sz="1800">
@@ -4277,7 +4337,7 @@
       </p:sp>
       <p:pic>
         <p:nvPicPr>
-          <p:cNvPr id="92" name="invoice_07-12-2014 (5).pdf"/>
+          <p:cNvPr id="92" name="image12.png"/>
           <p:cNvPicPr/>
           <p:nvPr/>
         </p:nvPicPr>
@@ -4339,6 +4399,10 @@
           </p:nvPr>
         </p:nvSpPr>
         <p:spPr>
+          <a:xfrm>
+            <a:off x="3762375" y="1125140"/>
+            <a:ext cx="16859250" cy="1714502"/>
+          </a:xfrm>
           <a:prstGeom prst="rect">
             <a:avLst/>
           </a:prstGeom>
@@ -4374,6 +4438,10 @@
           </p:nvPr>
         </p:nvSpPr>
         <p:spPr>
+          <a:xfrm>
+            <a:off x="3762375" y="3696889"/>
+            <a:ext cx="16859250" cy="8572502"/>
+          </a:xfrm>
           <a:prstGeom prst="rect">
             <a:avLst/>
           </a:prstGeom>
@@ -4382,9 +4450,7 @@
           <a:bodyPr/>
           <a:lstStyle>
             <a:lvl1pPr marL="0" indent="0">
-              <a:buClrTx/>
               <a:buSzTx/>
-              <a:buFontTx/>
               <a:buNone/>
             </a:lvl1pPr>
           </a:lstStyle>
@@ -4442,6 +4508,10 @@
           </p:nvPr>
         </p:nvSpPr>
         <p:spPr>
+          <a:xfrm>
+            <a:off x="3762375" y="1125140"/>
+            <a:ext cx="16859250" cy="1714502"/>
+          </a:xfrm>
           <a:prstGeom prst="rect">
             <a:avLst/>
           </a:prstGeom>
@@ -4477,6 +4547,10 @@
           </p:nvPr>
         </p:nvSpPr>
         <p:spPr>
+          <a:xfrm>
+            <a:off x="3762375" y="3696889"/>
+            <a:ext cx="16859250" cy="8572502"/>
+          </a:xfrm>
           <a:prstGeom prst="rect">
             <a:avLst/>
           </a:prstGeom>
@@ -4485,7 +4559,7 @@
           <a:bodyPr/>
           <a:lstStyle/>
           <a:p>
-            <a:pPr lvl="0">
+            <a:pPr lvl="0" marL="1812883" indent="-1812883">
               <a:defRPr sz="1800">
                 <a:solidFill>
                   <a:srgbClr val="000000"/>
@@ -4507,7 +4581,7 @@
             </a:endParaRPr>
           </a:p>
           <a:p>
-            <a:pPr lvl="0">
+            <a:pPr lvl="0" marL="1812883" indent="-1812883">
               <a:defRPr sz="1800">
                 <a:solidFill>
                   <a:srgbClr val="000000"/>
@@ -4529,7 +4603,7 @@
             </a:endParaRPr>
           </a:p>
           <a:p>
-            <a:pPr lvl="0">
+            <a:pPr lvl="0" marL="1812883" indent="-1812883">
               <a:defRPr sz="1800">
                 <a:solidFill>
                   <a:srgbClr val="000000"/>
@@ -4551,7 +4625,7 @@
             </a:endParaRPr>
           </a:p>
           <a:p>
-            <a:pPr lvl="0">
+            <a:pPr lvl="0" marL="1812883" indent="-1812883">
               <a:defRPr sz="1800">
                 <a:solidFill>
                   <a:srgbClr val="000000"/>
@@ -4573,7 +4647,7 @@
             </a:endParaRPr>
           </a:p>
           <a:p>
-            <a:pPr lvl="0">
+            <a:pPr lvl="0" marL="1812883" indent="-1812883">
               <a:defRPr sz="1800">
                 <a:solidFill>
                   <a:srgbClr val="000000"/>
@@ -4595,7 +4669,7 @@
             </a:endParaRPr>
           </a:p>
           <a:p>
-            <a:pPr lvl="0">
+            <a:pPr lvl="0" marL="1812883" indent="-1812883">
               <a:defRPr sz="1800">
                 <a:solidFill>
                   <a:srgbClr val="000000"/>
@@ -4617,7 +4691,7 @@
             </a:endParaRPr>
           </a:p>
           <a:p>
-            <a:pPr lvl="0">
+            <a:pPr lvl="0" marL="1812883" indent="-1812883">
               <a:defRPr sz="1800">
                 <a:solidFill>
                   <a:srgbClr val="000000"/>
@@ -4670,6 +4744,10 @@
           </p:nvPr>
         </p:nvSpPr>
         <p:spPr>
+          <a:xfrm>
+            <a:off x="3762375" y="1125140"/>
+            <a:ext cx="16859250" cy="1714502"/>
+          </a:xfrm>
           <a:prstGeom prst="rect">
             <a:avLst/>
           </a:prstGeom>
@@ -4717,7 +4795,7 @@
           <a:bodyPr anchor="t"/>
           <a:lstStyle/>
           <a:p>
-            <a:pPr lvl="0">
+            <a:pPr lvl="0" marL="1812883" indent="-1812883">
               <a:defRPr sz="1800">
                 <a:solidFill>
                   <a:srgbClr val="000000"/>
@@ -4739,7 +4817,7 @@
             </a:endParaRPr>
           </a:p>
           <a:p>
-            <a:pPr lvl="0">
+            <a:pPr lvl="0" marL="1812883" indent="-1812883">
               <a:defRPr sz="1800">
                 <a:solidFill>
                   <a:srgbClr val="000000"/>
@@ -4761,7 +4839,7 @@
             </a:endParaRPr>
           </a:p>
           <a:p>
-            <a:pPr lvl="0">
+            <a:pPr lvl="0" marL="1812883" indent="-1812883">
               <a:defRPr sz="1800">
                 <a:solidFill>
                   <a:srgbClr val="000000"/>
@@ -4783,7 +4861,7 @@
             </a:endParaRPr>
           </a:p>
           <a:p>
-            <a:pPr lvl="0">
+            <a:pPr lvl="0" marL="1812883" indent="-1812883">
               <a:defRPr sz="1800">
                 <a:solidFill>
                   <a:srgbClr val="000000"/>
@@ -4805,7 +4883,7 @@
             </a:endParaRPr>
           </a:p>
           <a:p>
-            <a:pPr lvl="0">
+            <a:pPr lvl="0" marL="1812883" indent="-1812883">
               <a:defRPr sz="1800">
                 <a:solidFill>
                   <a:srgbClr val="000000"/>
@@ -4827,7 +4905,7 @@
             </a:endParaRPr>
           </a:p>
           <a:p>
-            <a:pPr lvl="0">
+            <a:pPr lvl="0" marL="1812883" indent="-1812883">
               <a:defRPr sz="1800">
                 <a:solidFill>
                   <a:srgbClr val="000000"/>
@@ -4849,7 +4927,7 @@
             </a:endParaRPr>
           </a:p>
           <a:p>
-            <a:pPr lvl="0">
+            <a:pPr lvl="0" marL="1812883" indent="-1812883">
               <a:defRPr sz="1800">
                 <a:solidFill>
                   <a:srgbClr val="000000"/>
@@ -4895,7 +4973,7 @@
       </p:grpSpPr>
       <p:pic>
         <p:nvPicPr>
-          <p:cNvPr id="56" name="erd_pdf__1_page_.png"/>
+          <p:cNvPr id="56" name="image2.png"/>
           <p:cNvPicPr/>
           <p:nvPr/>
         </p:nvPicPr>
@@ -4909,8 +4987,8 @@
         </p:blipFill>
         <p:spPr>
           <a:xfrm>
-            <a:off x="8032849" y="1691966"/>
-            <a:ext cx="8318302" cy="10332068"/>
+            <a:off x="8032849" y="1691965"/>
+            <a:ext cx="8318303" cy="10332069"/>
           </a:xfrm>
           <a:prstGeom prst="rect">
             <a:avLst/>
@@ -4955,6 +5033,10 @@
           </p:nvPr>
         </p:nvSpPr>
         <p:spPr>
+          <a:xfrm>
+            <a:off x="3762375" y="1125140"/>
+            <a:ext cx="16859250" cy="1714502"/>
+          </a:xfrm>
           <a:prstGeom prst="rect">
             <a:avLst/>
           </a:prstGeom>
@@ -4990,6 +5072,10 @@
           </p:nvPr>
         </p:nvSpPr>
         <p:spPr>
+          <a:xfrm>
+            <a:off x="3762375" y="3696889"/>
+            <a:ext cx="16859250" cy="8572502"/>
+          </a:xfrm>
           <a:prstGeom prst="rect">
             <a:avLst/>
           </a:prstGeom>
@@ -4998,7 +5084,7 @@
           <a:bodyPr/>
           <a:lstStyle/>
           <a:p>
-            <a:pPr lvl="0">
+            <a:pPr lvl="0" marL="1812883" indent="-1812883">
               <a:defRPr sz="1800">
                 <a:solidFill>
                   <a:srgbClr val="000000"/>
@@ -5020,7 +5106,7 @@
             </a:endParaRPr>
           </a:p>
           <a:p>
-            <a:pPr lvl="0">
+            <a:pPr lvl="0" marL="1812883" indent="-1812883">
               <a:defRPr sz="1800">
                 <a:solidFill>
                   <a:srgbClr val="000000"/>
@@ -5033,7 +5119,7 @@
                   <a:srgbClr val="414141"/>
                 </a:solidFill>
               </a:rPr>
-              <a:t>Heroku Hosted</a:t>
+              <a:t>Heroku Hosted URL: https://autostock.herokuapp.com/</a:t>
             </a:r>
             <a:endParaRPr sz="5000">
               <a:solidFill>
@@ -5042,7 +5128,7 @@
             </a:endParaRPr>
           </a:p>
           <a:p>
-            <a:pPr lvl="0">
+            <a:pPr lvl="0" marL="1812883" indent="-1812883">
               <a:defRPr sz="1800">
                 <a:solidFill>
                   <a:srgbClr val="000000"/>
@@ -5064,7 +5150,7 @@
             </a:endParaRPr>
           </a:p>
           <a:p>
-            <a:pPr lvl="0">
+            <a:pPr lvl="0" marL="1812883" indent="-1812883">
               <a:defRPr sz="1800">
                 <a:solidFill>
                   <a:srgbClr val="000000"/>
@@ -5117,6 +5203,10 @@
           </p:nvPr>
         </p:nvSpPr>
         <p:spPr>
+          <a:xfrm>
+            <a:off x="3762375" y="1125140"/>
+            <a:ext cx="16859250" cy="1714502"/>
+          </a:xfrm>
           <a:prstGeom prst="rect">
             <a:avLst/>
           </a:prstGeom>
@@ -5152,6 +5242,10 @@
           </p:nvPr>
         </p:nvSpPr>
         <p:spPr>
+          <a:xfrm>
+            <a:off x="3762375" y="3696889"/>
+            <a:ext cx="16859250" cy="8572502"/>
+          </a:xfrm>
           <a:prstGeom prst="rect">
             <a:avLst/>
           </a:prstGeom>
@@ -5164,9 +5258,7 @@
               <a:spcBef>
                 <a:spcPts val="1600"/>
               </a:spcBef>
-              <a:buClrTx/>
               <a:buSzTx/>
-              <a:buFontTx/>
               <a:buNone/>
               <a:defRPr sz="1800">
                 <a:solidFill>
@@ -5182,14 +5274,10 @@
               </a:rPr>
               <a:t>The next few slides contain screenshots of some of the key areas of the site. </a:t>
             </a:r>
-            <a:endParaRPr sz="3400">
-              <a:solidFill>
-                <a:srgbClr val="414141"/>
-              </a:solidFill>
-            </a:endParaRPr>
-          </a:p>
-          <a:p>
-            <a:pPr lvl="0" marL="443794" indent="-443794" defTabSz="397256">
+            <a:endParaRPr sz="3400"/>
+          </a:p>
+          <a:p>
+            <a:pPr lvl="0" marL="838277" indent="-838277" defTabSz="397256">
               <a:spcBef>
                 <a:spcPts val="1600"/>
               </a:spcBef>
@@ -5207,14 +5295,10 @@
               </a:rPr>
               <a:t>Register Employee Page</a:t>
             </a:r>
-            <a:endParaRPr sz="3400">
-              <a:solidFill>
-                <a:srgbClr val="414141"/>
-              </a:solidFill>
-            </a:endParaRPr>
-          </a:p>
-          <a:p>
-            <a:pPr lvl="0" marL="443794" indent="-443794" defTabSz="397256">
+            <a:endParaRPr sz="3400"/>
+          </a:p>
+          <a:p>
+            <a:pPr lvl="0" marL="838277" indent="-838277" defTabSz="397256">
               <a:spcBef>
                 <a:spcPts val="1600"/>
               </a:spcBef>
@@ -5232,14 +5316,10 @@
               </a:rPr>
               <a:t>Home Page</a:t>
             </a:r>
-            <a:endParaRPr sz="3400">
-              <a:solidFill>
-                <a:srgbClr val="414141"/>
-              </a:solidFill>
-            </a:endParaRPr>
-          </a:p>
-          <a:p>
-            <a:pPr lvl="0" marL="443794" indent="-443794" defTabSz="397256">
+            <a:endParaRPr sz="3400"/>
+          </a:p>
+          <a:p>
+            <a:pPr lvl="0" marL="838277" indent="-838277" defTabSz="397256">
               <a:spcBef>
                 <a:spcPts val="1600"/>
               </a:spcBef>
@@ -5257,14 +5337,10 @@
               </a:rPr>
               <a:t>Register Customer Page</a:t>
             </a:r>
-            <a:endParaRPr sz="3400">
-              <a:solidFill>
-                <a:srgbClr val="414141"/>
-              </a:solidFill>
-            </a:endParaRPr>
-          </a:p>
-          <a:p>
-            <a:pPr lvl="0" marL="443794" indent="-443794" defTabSz="397256">
+            <a:endParaRPr sz="3400"/>
+          </a:p>
+          <a:p>
+            <a:pPr lvl="0" marL="838277" indent="-838277" defTabSz="397256">
               <a:spcBef>
                 <a:spcPts val="1600"/>
               </a:spcBef>
@@ -5282,14 +5358,10 @@
               </a:rPr>
               <a:t>Catalog Page</a:t>
             </a:r>
-            <a:endParaRPr sz="3400">
-              <a:solidFill>
-                <a:srgbClr val="414141"/>
-              </a:solidFill>
-            </a:endParaRPr>
-          </a:p>
-          <a:p>
-            <a:pPr lvl="0" marL="443794" indent="-443794" defTabSz="397256">
+            <a:endParaRPr sz="3400"/>
+          </a:p>
+          <a:p>
+            <a:pPr lvl="0" marL="838277" indent="-838277" defTabSz="397256">
               <a:spcBef>
                 <a:spcPts val="1600"/>
               </a:spcBef>
@@ -5307,14 +5379,10 @@
               </a:rPr>
               <a:t>Catalog Page Expanded</a:t>
             </a:r>
-            <a:endParaRPr sz="3400">
-              <a:solidFill>
-                <a:srgbClr val="414141"/>
-              </a:solidFill>
-            </a:endParaRPr>
-          </a:p>
-          <a:p>
-            <a:pPr lvl="0" marL="443794" indent="-443794" defTabSz="397256">
+            <a:endParaRPr sz="3400"/>
+          </a:p>
+          <a:p>
+            <a:pPr lvl="0" marL="838277" indent="-838277" defTabSz="397256">
               <a:spcBef>
                 <a:spcPts val="1600"/>
               </a:spcBef>
@@ -5332,14 +5400,10 @@
               </a:rPr>
               <a:t>Create Part Page</a:t>
             </a:r>
-            <a:endParaRPr sz="3400">
-              <a:solidFill>
-                <a:srgbClr val="414141"/>
-              </a:solidFill>
-            </a:endParaRPr>
-          </a:p>
-          <a:p>
-            <a:pPr lvl="0" marL="443794" indent="-443794" defTabSz="397256">
+            <a:endParaRPr sz="3400"/>
+          </a:p>
+          <a:p>
+            <a:pPr lvl="0" marL="838277" indent="-838277" defTabSz="397256">
               <a:spcBef>
                 <a:spcPts val="1600"/>
               </a:spcBef>
@@ -5357,14 +5421,10 @@
               </a:rPr>
               <a:t>Create Part Page Expanded</a:t>
             </a:r>
-            <a:endParaRPr sz="3400">
-              <a:solidFill>
-                <a:srgbClr val="414141"/>
-              </a:solidFill>
-            </a:endParaRPr>
-          </a:p>
-          <a:p>
-            <a:pPr lvl="0" marL="443794" indent="-443794" defTabSz="397256">
+            <a:endParaRPr sz="3400"/>
+          </a:p>
+          <a:p>
+            <a:pPr lvl="0" marL="838277" indent="-838277" defTabSz="397256">
               <a:spcBef>
                 <a:spcPts val="1600"/>
               </a:spcBef>
@@ -5382,14 +5442,10 @@
               </a:rPr>
               <a:t>Create Order Page</a:t>
             </a:r>
-            <a:endParaRPr sz="3400">
-              <a:solidFill>
-                <a:srgbClr val="414141"/>
-              </a:solidFill>
-            </a:endParaRPr>
-          </a:p>
-          <a:p>
-            <a:pPr lvl="0" marL="443794" indent="-443794" defTabSz="397256">
+            <a:endParaRPr sz="3400"/>
+          </a:p>
+          <a:p>
+            <a:pPr lvl="0" marL="838277" indent="-838277" defTabSz="397256">
               <a:spcBef>
                 <a:spcPts val="1600"/>
               </a:spcBef>
@@ -5407,14 +5463,10 @@
               </a:rPr>
               <a:t>View Invoice Invoice</a:t>
             </a:r>
-            <a:endParaRPr sz="3400">
-              <a:solidFill>
-                <a:srgbClr val="414141"/>
-              </a:solidFill>
-            </a:endParaRPr>
-          </a:p>
-          <a:p>
-            <a:pPr lvl="0" marL="443794" indent="-443794" defTabSz="397256">
+            <a:endParaRPr sz="3400"/>
+          </a:p>
+          <a:p>
+            <a:pPr lvl="0" marL="838277" indent="-838277" defTabSz="397256">
               <a:spcBef>
                 <a:spcPts val="1600"/>
               </a:spcBef>
@@ -5469,8 +5521,8 @@
         </p:nvSpPr>
         <p:spPr>
           <a:xfrm>
-            <a:off x="11072018" y="12644055"/>
-            <a:ext cx="2239964" cy="676276"/>
+            <a:off x="11072017" y="12644055"/>
+            <a:ext cx="2239963" cy="676275"/>
           </a:xfrm>
           <a:prstGeom prst="rect">
             <a:avLst/>
@@ -5485,10 +5537,19 @@
           </a:extLst>
         </p:spPr>
         <p:txBody>
-          <a:bodyPr wrap="none" lIns="71437" tIns="71437" rIns="71437" bIns="71437" anchor="ctr">
+          <a:bodyPr wrap="none" lIns="71436" tIns="71436" rIns="71436" bIns="71436" anchor="ctr">
             <a:spAutoFit/>
           </a:bodyPr>
-          <a:lstStyle/>
+          <a:lstStyle>
+            <a:lvl1pPr>
+              <a:defRPr>
+                <a:latin typeface="Palatino"/>
+                <a:ea typeface="Palatino"/>
+                <a:cs typeface="Palatino"/>
+                <a:sym typeface="Palatino"/>
+              </a:defRPr>
+            </a:lvl1pPr>
+          </a:lstStyle>
           <a:p>
             <a:pPr lvl="0">
               <a:defRPr sz="1800">
@@ -5510,7 +5571,7 @@
       </p:sp>
       <p:pic>
         <p:nvPicPr>
-          <p:cNvPr id="65" name="Auto_Stock___Home.png"/>
+          <p:cNvPr id="65" name="image3.png"/>
           <p:cNvPicPr/>
           <p:nvPr/>
         </p:nvPicPr>
@@ -5524,8 +5585,8 @@
         </p:blipFill>
         <p:spPr>
           <a:xfrm>
-            <a:off x="3952930" y="1708581"/>
-            <a:ext cx="16478140" cy="10298838"/>
+            <a:off x="3952930" y="1708580"/>
+            <a:ext cx="16478140" cy="10298840"/>
           </a:xfrm>
           <a:prstGeom prst="rect">
             <a:avLst/>
@@ -5563,7 +5624,7 @@
       </p:grpSpPr>
       <p:pic>
         <p:nvPicPr>
-          <p:cNvPr id="67" name="Auto_Stock___Sign_in.png"/>
+          <p:cNvPr id="67" name="image4.png"/>
           <p:cNvPicPr/>
           <p:nvPr/>
         </p:nvPicPr>
@@ -5578,7 +5639,7 @@
         <p:spPr>
           <a:xfrm>
             <a:off x="2718173" y="1155952"/>
-            <a:ext cx="18947654" cy="10672858"/>
+            <a:ext cx="18947655" cy="10672858"/>
           </a:xfrm>
           <a:prstGeom prst="rect">
             <a:avLst/>
@@ -5596,8 +5657,8 @@
         </p:nvSpPr>
         <p:spPr>
           <a:xfrm>
-            <a:off x="11003458" y="12462948"/>
-            <a:ext cx="2377084" cy="676276"/>
+            <a:off x="11003457" y="12462947"/>
+            <a:ext cx="2377083" cy="676275"/>
           </a:xfrm>
           <a:prstGeom prst="rect">
             <a:avLst/>
@@ -5612,10 +5673,19 @@
           </a:extLst>
         </p:spPr>
         <p:txBody>
-          <a:bodyPr wrap="none" lIns="71437" tIns="71437" rIns="71437" bIns="71437" anchor="ctr">
+          <a:bodyPr wrap="none" lIns="71436" tIns="71436" rIns="71436" bIns="71436" anchor="ctr">
             <a:spAutoFit/>
           </a:bodyPr>
-          <a:lstStyle/>
+          <a:lstStyle>
+            <a:lvl1pPr>
+              <a:defRPr>
+                <a:latin typeface="Palatino"/>
+                <a:ea typeface="Palatino"/>
+                <a:cs typeface="Palatino"/>
+                <a:sym typeface="Palatino"/>
+              </a:defRPr>
+            </a:lvl1pPr>
+          </a:lstStyle>
           <a:p>
             <a:pPr lvl="0">
               <a:defRPr sz="1800">
@@ -5645,9 +5715,9 @@
 </file>
 
 <file path=ppt/theme/theme1.xml><?xml version="1.0" encoding="utf-8"?>
-<a:theme xmlns:a="http://schemas.openxmlformats.org/drawingml/2006/main" xmlns:r="http://schemas.openxmlformats.org/officeDocument/2006/relationships" name="New_Template4">
+<a:theme xmlns:a="http://schemas.openxmlformats.org/drawingml/2006/main" xmlns:r="http://schemas.openxmlformats.org/officeDocument/2006/relationships" name="Default">
   <a:themeElements>
-    <a:clrScheme name="New_Template4">
+    <a:clrScheme name="Default">
       <a:dk1>
         <a:srgbClr val="414141"/>
       </a:dk1>
@@ -5655,10 +5725,10 @@
         <a:srgbClr val="FFFFFF"/>
       </a:lt1>
       <a:dk2>
-        <a:srgbClr val="66635F"/>
+        <a:srgbClr val="A7A7A7"/>
       </a:dk2>
       <a:lt2>
-        <a:srgbClr val="C9C3BA"/>
+        <a:srgbClr val="535353"/>
       </a:lt2>
       <a:accent1>
         <a:srgbClr val="738FAF"/>
@@ -5685,19 +5755,19 @@
         <a:srgbClr val="FF00FF"/>
       </a:folHlink>
     </a:clrScheme>
-    <a:fontScheme name="New_Template4">
+    <a:fontScheme name="Default">
       <a:majorFont>
-        <a:latin typeface="Bodoni SvtyTwo ITC TT-Book"/>
-        <a:ea typeface="Bodoni SvtyTwo ITC TT-Book"/>
-        <a:cs typeface="Bodoni SvtyTwo ITC TT-Book"/>
+        <a:latin typeface="Helvetica Neue"/>
+        <a:ea typeface="Helvetica Neue"/>
+        <a:cs typeface="Helvetica Neue"/>
       </a:majorFont>
       <a:minorFont>
-        <a:latin typeface="Bodoni SvtyTwo ITC TT-Book"/>
-        <a:ea typeface="Bodoni SvtyTwo ITC TT-Book"/>
-        <a:cs typeface="Bodoni SvtyTwo ITC TT-Book"/>
+        <a:latin typeface="Helvetica"/>
+        <a:ea typeface="Helvetica"/>
+        <a:cs typeface="Helvetica"/>
       </a:minorFont>
     </a:fontScheme>
-    <a:fmtScheme name="New_Template4">
+    <a:fmtScheme name="Default">
       <a:fillStyleLst>
         <a:solidFill>
           <a:schemeClr val="phClr"/>
@@ -5834,18 +5904,19 @@
   <a:objectDefaults>
     <a:spDef>
       <a:spPr>
-        <a:blipFill rotWithShape="1">
-          <a:blip r:embed="rId1"/>
-          <a:srcRect l="0" t="0" r="0" b="0"/>
-          <a:tile tx="0" ty="0" sx="100000" sy="100000" flip="none" algn="tl"/>
-        </a:blipFill>
-        <a:ln w="12700" cap="flat">
-          <a:noFill/>
-          <a:miter lim="400000"/>
+        <a:solidFill>
+          <a:srgbClr val="FFFFFF"/>
+        </a:solidFill>
+        <a:ln w="25400" cap="flat">
+          <a:solidFill>
+            <a:srgbClr val="738FAF"/>
+          </a:solidFill>
+          <a:prstDash val="solid"/>
+          <a:bevel/>
         </a:ln>
         <a:effectLst/>
       </a:spPr>
-      <a:bodyPr rot="0" spcFirstLastPara="1" vertOverflow="overflow" horzOverflow="overflow" vert="horz" wrap="square" lIns="71437" tIns="71437" rIns="71437" bIns="71437" numCol="1" spcCol="38100" rtlCol="0" anchor="ctr" upright="0">
+      <a:bodyPr rot="0" spcFirstLastPara="1" vertOverflow="overflow" horzOverflow="overflow" vert="horz" wrap="square" lIns="71436" tIns="71436" rIns="71436" bIns="71436" numCol="1" spcCol="38100" rtlCol="0" anchor="ctr" upright="0">
         <a:spAutoFit/>
       </a:bodyPr>
       <a:lstStyle>
@@ -5864,23 +5935,19 @@
           <a:buFontTx/>
           <a:buNone/>
           <a:tabLst/>
-          <a:defRPr b="0" baseline="0" cap="none" i="0" spc="0" strike="noStrike" sz="4400" u="none" kumimoji="0" normalizeH="0">
+          <a:defRPr b="0" baseline="0" cap="none" i="0" spc="0" strike="noStrike" sz="3200" u="none" kumimoji="0" normalizeH="0">
             <a:ln>
               <a:noFill/>
             </a:ln>
             <a:solidFill>
-              <a:srgbClr val="FFFFFF"/>
+              <a:srgbClr val="414141"/>
             </a:solidFill>
-            <a:effectLst>
-              <a:outerShdw sx="100000" sy="100000" kx="0" ky="0" algn="b" rotWithShape="0" blurRad="25400" dist="33948" dir="2700000">
-                <a:srgbClr val="3B3936"/>
-              </a:outerShdw>
-            </a:effectLst>
+            <a:effectLst/>
             <a:uFillTx/>
-            <a:latin typeface="Palatino"/>
-            <a:ea typeface="Palatino"/>
-            <a:cs typeface="Palatino"/>
-            <a:sym typeface="Palatino"/>
+            <a:latin typeface="Bodoni SvtyTwo ITC TT-Book"/>
+            <a:ea typeface="Bodoni SvtyTwo ITC TT-Book"/>
+            <a:cs typeface="Bodoni SvtyTwo ITC TT-Book"/>
+            <a:sym typeface="Bodoni SvtyTwo ITC TT-Book"/>
           </a:defRPr>
         </a:defPPr>
         <a:lvl1pPr marL="0" marR="0" indent="0" algn="l" defTabSz="914400" rtl="0" fontAlgn="auto" latinLnBrk="1" hangingPunct="0">
@@ -6130,10 +6197,10 @@
         <a:noFill/>
         <a:ln w="25400" cap="flat">
           <a:solidFill>
-            <a:srgbClr val="414141"/>
+            <a:srgbClr val="738FAF"/>
           </a:solidFill>
           <a:prstDash val="solid"/>
-          <a:miter lim="400000"/>
+          <a:bevel/>
         </a:ln>
         <a:effectLst/>
       </a:spPr>
@@ -6418,7 +6485,7 @@
         </a:ln>
         <a:effectLst/>
       </a:spPr>
-      <a:bodyPr rot="0" spcFirstLastPara="1" vertOverflow="overflow" horzOverflow="overflow" vert="horz" wrap="square" lIns="71437" tIns="71437" rIns="71437" bIns="71437" numCol="1" spcCol="38100" rtlCol="0" anchor="ctr" upright="0">
+      <a:bodyPr rot="0" spcFirstLastPara="1" vertOverflow="overflow" horzOverflow="overflow" vert="horz" wrap="square" lIns="71436" tIns="71436" rIns="71436" bIns="71436" numCol="1" spcCol="38100" rtlCol="0" anchor="ctr" upright="0">
         <a:spAutoFit/>
       </a:bodyPr>
       <a:lstStyle>
@@ -6446,10 +6513,10 @@
             </a:solidFill>
             <a:effectLst/>
             <a:uFillTx/>
-            <a:latin typeface="Palatino"/>
-            <a:ea typeface="Palatino"/>
-            <a:cs typeface="Palatino"/>
-            <a:sym typeface="Palatino"/>
+            <a:latin typeface="Bodoni SvtyTwo ITC TT-Book"/>
+            <a:ea typeface="Bodoni SvtyTwo ITC TT-Book"/>
+            <a:cs typeface="Bodoni SvtyTwo ITC TT-Book"/>
+            <a:sym typeface="Bodoni SvtyTwo ITC TT-Book"/>
           </a:defRPr>
         </a:defPPr>
         <a:lvl1pPr marL="0" marR="0" indent="0" algn="l" defTabSz="914400" rtl="0" fontAlgn="auto" latinLnBrk="1" hangingPunct="0">
@@ -6699,9 +6766,9 @@
 </file>
 
 <file path=ppt/theme/theme2.xml><?xml version="1.0" encoding="utf-8"?>
-<a:theme xmlns:a="http://schemas.openxmlformats.org/drawingml/2006/main" xmlns:r="http://schemas.openxmlformats.org/officeDocument/2006/relationships" name="New_Template4">
+<a:theme xmlns:a="http://schemas.openxmlformats.org/drawingml/2006/main" xmlns:r="http://schemas.openxmlformats.org/officeDocument/2006/relationships" name="Default">
   <a:themeElements>
-    <a:clrScheme name="New_Template4">
+    <a:clrScheme name="Default">
       <a:dk1>
         <a:srgbClr val="000000"/>
       </a:dk1>
@@ -6709,10 +6776,10 @@
         <a:srgbClr val="FFFFFF"/>
       </a:lt1>
       <a:dk2>
-        <a:srgbClr val="66635F"/>
+        <a:srgbClr val="A7A7A7"/>
       </a:dk2>
       <a:lt2>
-        <a:srgbClr val="C9C3BA"/>
+        <a:srgbClr val="535353"/>
       </a:lt2>
       <a:accent1>
         <a:srgbClr val="738FAF"/>
@@ -6739,19 +6806,19 @@
         <a:srgbClr val="FF00FF"/>
       </a:folHlink>
     </a:clrScheme>
-    <a:fontScheme name="New_Template4">
+    <a:fontScheme name="Default">
       <a:majorFont>
-        <a:latin typeface="Bodoni SvtyTwo ITC TT-Book"/>
-        <a:ea typeface="Bodoni SvtyTwo ITC TT-Book"/>
-        <a:cs typeface="Bodoni SvtyTwo ITC TT-Book"/>
+        <a:latin typeface="Helvetica Neue"/>
+        <a:ea typeface="Helvetica Neue"/>
+        <a:cs typeface="Helvetica Neue"/>
       </a:majorFont>
       <a:minorFont>
-        <a:latin typeface="Bodoni SvtyTwo ITC TT-Book"/>
-        <a:ea typeface="Bodoni SvtyTwo ITC TT-Book"/>
-        <a:cs typeface="Bodoni SvtyTwo ITC TT-Book"/>
+        <a:latin typeface="Helvetica"/>
+        <a:ea typeface="Helvetica"/>
+        <a:cs typeface="Helvetica"/>
       </a:minorFont>
     </a:fontScheme>
-    <a:fmtScheme name="New_Template4">
+    <a:fmtScheme name="Default">
       <a:fillStyleLst>
         <a:solidFill>
           <a:schemeClr val="phClr"/>
@@ -6888,18 +6955,19 @@
   <a:objectDefaults>
     <a:spDef>
       <a:spPr>
-        <a:blipFill rotWithShape="1">
-          <a:blip r:embed="rId1"/>
-          <a:srcRect l="0" t="0" r="0" b="0"/>
-          <a:tile tx="0" ty="0" sx="100000" sy="100000" flip="none" algn="tl"/>
-        </a:blipFill>
-        <a:ln w="12700" cap="flat">
-          <a:noFill/>
-          <a:miter lim="400000"/>
+        <a:solidFill>
+          <a:srgbClr val="FFFFFF"/>
+        </a:solidFill>
+        <a:ln w="25400" cap="flat">
+          <a:solidFill>
+            <a:srgbClr val="738FAF"/>
+          </a:solidFill>
+          <a:prstDash val="solid"/>
+          <a:bevel/>
         </a:ln>
         <a:effectLst/>
       </a:spPr>
-      <a:bodyPr rot="0" spcFirstLastPara="1" vertOverflow="overflow" horzOverflow="overflow" vert="horz" wrap="square" lIns="71437" tIns="71437" rIns="71437" bIns="71437" numCol="1" spcCol="38100" rtlCol="0" anchor="ctr" upright="0">
+      <a:bodyPr rot="0" spcFirstLastPara="1" vertOverflow="overflow" horzOverflow="overflow" vert="horz" wrap="square" lIns="71436" tIns="71436" rIns="71436" bIns="71436" numCol="1" spcCol="38100" rtlCol="0" anchor="ctr" upright="0">
         <a:spAutoFit/>
       </a:bodyPr>
       <a:lstStyle>
@@ -6918,23 +6986,19 @@
           <a:buFontTx/>
           <a:buNone/>
           <a:tabLst/>
-          <a:defRPr b="0" baseline="0" cap="none" i="0" spc="0" strike="noStrike" sz="4400" u="none" kumimoji="0" normalizeH="0">
+          <a:defRPr b="0" baseline="0" cap="none" i="0" spc="0" strike="noStrike" sz="3200" u="none" kumimoji="0" normalizeH="0">
             <a:ln>
               <a:noFill/>
             </a:ln>
             <a:solidFill>
-              <a:srgbClr val="FFFFFF"/>
+              <a:srgbClr val="414141"/>
             </a:solidFill>
-            <a:effectLst>
-              <a:outerShdw sx="100000" sy="100000" kx="0" ky="0" algn="b" rotWithShape="0" blurRad="25400" dist="33948" dir="2700000">
-                <a:srgbClr val="3B3936"/>
-              </a:outerShdw>
-            </a:effectLst>
+            <a:effectLst/>
             <a:uFillTx/>
-            <a:latin typeface="Palatino"/>
-            <a:ea typeface="Palatino"/>
-            <a:cs typeface="Palatino"/>
-            <a:sym typeface="Palatino"/>
+            <a:latin typeface="Bodoni SvtyTwo ITC TT-Book"/>
+            <a:ea typeface="Bodoni SvtyTwo ITC TT-Book"/>
+            <a:cs typeface="Bodoni SvtyTwo ITC TT-Book"/>
+            <a:sym typeface="Bodoni SvtyTwo ITC TT-Book"/>
           </a:defRPr>
         </a:defPPr>
         <a:lvl1pPr marL="0" marR="0" indent="0" algn="l" defTabSz="914400" rtl="0" fontAlgn="auto" latinLnBrk="1" hangingPunct="0">
@@ -7184,10 +7248,10 @@
         <a:noFill/>
         <a:ln w="25400" cap="flat">
           <a:solidFill>
-            <a:srgbClr val="414141"/>
+            <a:srgbClr val="738FAF"/>
           </a:solidFill>
           <a:prstDash val="solid"/>
-          <a:miter lim="400000"/>
+          <a:bevel/>
         </a:ln>
         <a:effectLst/>
       </a:spPr>
@@ -7472,7 +7536,7 @@
         </a:ln>
         <a:effectLst/>
       </a:spPr>
-      <a:bodyPr rot="0" spcFirstLastPara="1" vertOverflow="overflow" horzOverflow="overflow" vert="horz" wrap="square" lIns="71437" tIns="71437" rIns="71437" bIns="71437" numCol="1" spcCol="38100" rtlCol="0" anchor="ctr" upright="0">
+      <a:bodyPr rot="0" spcFirstLastPara="1" vertOverflow="overflow" horzOverflow="overflow" vert="horz" wrap="square" lIns="71436" tIns="71436" rIns="71436" bIns="71436" numCol="1" spcCol="38100" rtlCol="0" anchor="ctr" upright="0">
         <a:spAutoFit/>
       </a:bodyPr>
       <a:lstStyle>
@@ -7500,10 +7564,10 @@
             </a:solidFill>
             <a:effectLst/>
             <a:uFillTx/>
-            <a:latin typeface="Palatino"/>
-            <a:ea typeface="Palatino"/>
-            <a:cs typeface="Palatino"/>
-            <a:sym typeface="Palatino"/>
+            <a:latin typeface="Bodoni SvtyTwo ITC TT-Book"/>
+            <a:ea typeface="Bodoni SvtyTwo ITC TT-Book"/>
+            <a:cs typeface="Bodoni SvtyTwo ITC TT-Book"/>
+            <a:sym typeface="Bodoni SvtyTwo ITC TT-Book"/>
           </a:defRPr>
         </a:defPPr>
         <a:lvl1pPr marL="0" marR="0" indent="0" algn="l" defTabSz="914400" rtl="0" fontAlgn="auto" latinLnBrk="1" hangingPunct="0">
